--- a/lectures/DJ-09-Forms.pptx
+++ b/lectures/DJ-09-Forms.pptx
@@ -236,7 +236,7 @@
           <a:p>
             <a:fld id="{C97B56FC-7D2E-F343-9D09-0D14B00AA564}" type="datetimeFigureOut">
               <a:rPr lang="en-US" smtClean="0"/>
-              <a:t>9/24/19</a:t>
+              <a:t>9/25/19</a:t>
             </a:fld>
             <a:endParaRPr lang="en-US"/>
           </a:p>
@@ -1181,7 +1181,7 @@
           <a:p>
             <a:fld id="{EEE7C04C-7AF8-1445-A186-502B631B934F}" type="datetimeFigureOut">
               <a:rPr lang="en-US" smtClean="0"/>
-              <a:t>9/24/19</a:t>
+              <a:t>9/25/19</a:t>
             </a:fld>
             <a:endParaRPr lang="en-US"/>
           </a:p>
@@ -1346,7 +1346,7 @@
           <a:p>
             <a:fld id="{EEE7C04C-7AF8-1445-A186-502B631B934F}" type="datetimeFigureOut">
               <a:rPr lang="en-US" smtClean="0"/>
-              <a:t>9/24/19</a:t>
+              <a:t>9/25/19</a:t>
             </a:fld>
             <a:endParaRPr lang="en-US"/>
           </a:p>
@@ -1521,7 +1521,7 @@
           <a:p>
             <a:fld id="{EEE7C04C-7AF8-1445-A186-502B631B934F}" type="datetimeFigureOut">
               <a:rPr lang="en-US" smtClean="0"/>
-              <a:t>9/24/19</a:t>
+              <a:t>9/25/19</a:t>
             </a:fld>
             <a:endParaRPr lang="en-US"/>
           </a:p>
@@ -1686,7 +1686,7 @@
           <a:p>
             <a:fld id="{EEE7C04C-7AF8-1445-A186-502B631B934F}" type="datetimeFigureOut">
               <a:rPr lang="en-US" smtClean="0"/>
-              <a:t>9/24/19</a:t>
+              <a:t>9/25/19</a:t>
             </a:fld>
             <a:endParaRPr lang="en-US"/>
           </a:p>
@@ -1927,7 +1927,7 @@
           <a:p>
             <a:fld id="{EEE7C04C-7AF8-1445-A186-502B631B934F}" type="datetimeFigureOut">
               <a:rPr lang="en-US" smtClean="0"/>
-              <a:t>9/24/19</a:t>
+              <a:t>9/25/19</a:t>
             </a:fld>
             <a:endParaRPr lang="en-US"/>
           </a:p>
@@ -2154,7 +2154,7 @@
           <a:p>
             <a:fld id="{EEE7C04C-7AF8-1445-A186-502B631B934F}" type="datetimeFigureOut">
               <a:rPr lang="en-US" smtClean="0"/>
-              <a:t>9/24/19</a:t>
+              <a:t>9/25/19</a:t>
             </a:fld>
             <a:endParaRPr lang="en-US"/>
           </a:p>
@@ -2516,7 +2516,7 @@
           <a:p>
             <a:fld id="{EEE7C04C-7AF8-1445-A186-502B631B934F}" type="datetimeFigureOut">
               <a:rPr lang="en-US" smtClean="0"/>
-              <a:t>9/24/19</a:t>
+              <a:t>9/25/19</a:t>
             </a:fld>
             <a:endParaRPr lang="en-US"/>
           </a:p>
@@ -2629,7 +2629,7 @@
           <a:p>
             <a:fld id="{EEE7C04C-7AF8-1445-A186-502B631B934F}" type="datetimeFigureOut">
               <a:rPr lang="en-US" smtClean="0"/>
-              <a:t>9/24/19</a:t>
+              <a:t>9/25/19</a:t>
             </a:fld>
             <a:endParaRPr lang="en-US"/>
           </a:p>
@@ -2719,7 +2719,7 @@
           <a:p>
             <a:fld id="{EEE7C04C-7AF8-1445-A186-502B631B934F}" type="datetimeFigureOut">
               <a:rPr lang="en-US" smtClean="0"/>
-              <a:t>9/24/19</a:t>
+              <a:t>9/25/19</a:t>
             </a:fld>
             <a:endParaRPr lang="en-US"/>
           </a:p>
@@ -2991,7 +2991,7 @@
           <a:p>
             <a:fld id="{EEE7C04C-7AF8-1445-A186-502B631B934F}" type="datetimeFigureOut">
               <a:rPr lang="en-US" smtClean="0"/>
-              <a:t>9/24/19</a:t>
+              <a:t>9/25/19</a:t>
             </a:fld>
             <a:endParaRPr lang="en-US"/>
           </a:p>
@@ -3243,7 +3243,7 @@
           <a:p>
             <a:fld id="{EEE7C04C-7AF8-1445-A186-502B631B934F}" type="datetimeFigureOut">
               <a:rPr lang="en-US" smtClean="0"/>
-              <a:t>9/24/19</a:t>
+              <a:t>9/25/19</a:t>
             </a:fld>
             <a:endParaRPr lang="en-US"/>
           </a:p>
@@ -3451,7 +3451,7 @@
           <a:p>
             <a:fld id="{EEE7C04C-7AF8-1445-A186-502B631B934F}" type="datetimeFigureOut">
               <a:rPr lang="en-US" smtClean="0"/>
-              <a:t>9/24/19</a:t>
+              <a:t>9/25/19</a:t>
             </a:fld>
             <a:endParaRPr lang="en-US"/>
           </a:p>
@@ -3869,10 +3869,10 @@
           <p:cNvPr id="10" name="Rectangle 9">
             <a:extLst>
               <a:ext uri="{FF2B5EF4-FFF2-40B4-BE49-F238E27FC236}">
-                <a16:creationId xmlns:a16="http://schemas.microsoft.com/office/drawing/2014/main" xmlns="" id="{E20EB187-900F-4AF5-813B-101456D9FD39}"/>
+                <a16:creationId xmlns="" xmlns:a16="http://schemas.microsoft.com/office/drawing/2014/main" id="{E20EB187-900F-4AF5-813B-101456D9FD39}"/>
               </a:ext>
               <a:ext uri="{C183D7F6-B498-43B3-948B-1728B52AA6E4}">
-                <adec:decorative xmlns:adec="http://schemas.microsoft.com/office/drawing/2017/decorative" xmlns="" val="1"/>
+                <adec:decorative xmlns="" xmlns:adec="http://schemas.microsoft.com/office/drawing/2017/decorative" val="1"/>
               </a:ext>
             </a:extLst>
           </p:cNvPr>
@@ -4016,10 +4016,10 @@
           <p:cNvPr id="12" name="Straight Connector 11">
             <a:extLst>
               <a:ext uri="{FF2B5EF4-FFF2-40B4-BE49-F238E27FC236}">
-                <a16:creationId xmlns:a16="http://schemas.microsoft.com/office/drawing/2014/main" xmlns="" id="{624D17C8-E9C2-48A4-AA36-D7048A6CCC41}"/>
+                <a16:creationId xmlns="" xmlns:a16="http://schemas.microsoft.com/office/drawing/2014/main" id="{624D17C8-E9C2-48A4-AA36-D7048A6CCC41}"/>
               </a:ext>
               <a:ext uri="{C183D7F6-B498-43B3-948B-1728B52AA6E4}">
-                <adec:decorative xmlns:adec="http://schemas.microsoft.com/office/drawing/2017/decorative" xmlns="" val="1"/>
+                <adec:decorative xmlns="" xmlns:adec="http://schemas.microsoft.com/office/drawing/2017/decorative" val="1"/>
               </a:ext>
             </a:extLst>
           </p:cNvPr>
@@ -6267,10 +6267,10 @@
           <p:cNvPr id="135" name="Rectangle 134">
             <a:extLst>
               <a:ext uri="{FF2B5EF4-FFF2-40B4-BE49-F238E27FC236}">
-                <a16:creationId xmlns:a16="http://schemas.microsoft.com/office/drawing/2014/main" xmlns="" id="{867D4867-5BA7-4462-B2F6-A23F4A622AA7}"/>
+                <a16:creationId xmlns="" xmlns:a16="http://schemas.microsoft.com/office/drawing/2014/main" id="{867D4867-5BA7-4462-B2F6-A23F4A622AA7}"/>
               </a:ext>
               <a:ext uri="{C183D7F6-B498-43B3-948B-1728B52AA6E4}">
-                <adec:decorative xmlns:adec="http://schemas.microsoft.com/office/drawing/2017/decorative" xmlns="" val="1"/>
+                <adec:decorative xmlns="" xmlns:adec="http://schemas.microsoft.com/office/drawing/2017/decorative" val="1"/>
               </a:ext>
             </a:extLst>
           </p:cNvPr>
@@ -8441,6 +8441,44 @@
           </a:fontRef>
         </p:style>
       </p:cxnSp>
+      <p:cxnSp>
+        <p:nvCxnSpPr>
+          <p:cNvPr id="55" name="Straight Arrow Connector 54"/>
+          <p:cNvCxnSpPr>
+            <a:endCxn id="13" idx="2"/>
+          </p:cNvCxnSpPr>
+          <p:nvPr/>
+        </p:nvCxnSpPr>
+        <p:spPr>
+          <a:xfrm flipV="1">
+            <a:off x="9813128" y="3421029"/>
+            <a:ext cx="960456" cy="294921"/>
+          </a:xfrm>
+          <a:prstGeom prst="straightConnector1">
+            <a:avLst/>
+          </a:prstGeom>
+          <a:ln w="38100">
+            <a:solidFill>
+              <a:schemeClr val="tx1"/>
+            </a:solidFill>
+            <a:tailEnd type="triangle"/>
+          </a:ln>
+        </p:spPr>
+        <p:style>
+          <a:lnRef idx="1">
+            <a:schemeClr val="accent1"/>
+          </a:lnRef>
+          <a:fillRef idx="0">
+            <a:schemeClr val="accent1"/>
+          </a:fillRef>
+          <a:effectRef idx="0">
+            <a:schemeClr val="accent1"/>
+          </a:effectRef>
+          <a:fontRef idx="minor">
+            <a:schemeClr val="tx1"/>
+          </a:fontRef>
+        </p:style>
+      </p:cxnSp>
     </p:spTree>
     <p:extLst>
       <p:ext uri="{BB962C8B-B14F-4D97-AF65-F5344CB8AC3E}">
@@ -15188,10 +15226,10 @@
           <p:cNvPr id="15" name="Down Arrow 7">
             <a:extLst>
               <a:ext uri="{FF2B5EF4-FFF2-40B4-BE49-F238E27FC236}">
-                <a16:creationId xmlns:a16="http://schemas.microsoft.com/office/drawing/2014/main" xmlns="" id="{73DE2CFE-42F2-48F0-8706-5264E012B10C}"/>
+                <a16:creationId xmlns="" xmlns:a16="http://schemas.microsoft.com/office/drawing/2014/main" id="{73DE2CFE-42F2-48F0-8706-5264E012B10C}"/>
               </a:ext>
               <a:ext uri="{C183D7F6-B498-43B3-948B-1728B52AA6E4}">
-                <adec:decorative xmlns:adec="http://schemas.microsoft.com/office/drawing/2017/decorative" xmlns="" val="1"/>
+                <adec:decorative xmlns="" xmlns:adec="http://schemas.microsoft.com/office/drawing/2017/decorative" val="1"/>
               </a:ext>
             </a:extLst>
           </p:cNvPr>
@@ -15316,7 +15354,7 @@
           <p:cNvPr id="12" name="Content Placeholder 11">
             <a:extLst>
               <a:ext uri="{FF2B5EF4-FFF2-40B4-BE49-F238E27FC236}">
-                <a16:creationId xmlns:a16="http://schemas.microsoft.com/office/drawing/2014/main" xmlns="" id="{10441444-F734-43CA-98E6-1F3C07414448}"/>
+                <a16:creationId xmlns="" xmlns:a16="http://schemas.microsoft.com/office/drawing/2014/main" id="{10441444-F734-43CA-98E6-1F3C07414448}"/>
               </a:ext>
             </a:extLst>
           </p:cNvPr>
@@ -24531,14 +24569,14 @@
           </a:ln>
           <a:extLst>
             <a:ext uri="{909E8E84-426E-40dd-AFC4-6F175D3DCCD1}">
-              <a14:hiddenFill xmlns:a14="http://schemas.microsoft.com/office/drawing/2010/main" xmlns="">
+              <a14:hiddenFill xmlns="" xmlns:a14="http://schemas.microsoft.com/office/drawing/2010/main">
                 <a:solidFill>
                   <a:srgbClr val="FFFFFF"/>
                 </a:solidFill>
               </a14:hiddenFill>
             </a:ext>
             <a:ext uri="{91240B29-F687-4f45-9708-019B960494DF}">
-              <a14:hiddenLine xmlns:a14="http://schemas.microsoft.com/office/drawing/2010/main" xmlns="" w="12700">
+              <a14:hiddenLine xmlns="" xmlns:a14="http://schemas.microsoft.com/office/drawing/2010/main" w="12700">
                 <a:solidFill>
                   <a:srgbClr val="000000"/>
                 </a:solidFill>
@@ -24723,7 +24761,7 @@
           </a:ln>
           <a:extLst>
             <a:ext uri="{91240B29-F687-4f45-9708-019B960494DF}">
-              <a14:hiddenLine xmlns:a14="http://schemas.microsoft.com/office/drawing/2010/main" xmlns="" w="12700">
+              <a14:hiddenLine xmlns="" xmlns:a14="http://schemas.microsoft.com/office/drawing/2010/main" w="12700">
                 <a:solidFill>
                   <a:srgbClr val="000000"/>
                 </a:solidFill>
@@ -24894,7 +24932,7 @@
           </a:ln>
           <a:extLst>
             <a:ext uri="{91240B29-F687-4f45-9708-019B960494DF}">
-              <a14:hiddenLine xmlns:a14="http://schemas.microsoft.com/office/drawing/2010/main" xmlns="" w="12700">
+              <a14:hiddenLine xmlns="" xmlns:a14="http://schemas.microsoft.com/office/drawing/2010/main" w="12700">
                 <a:solidFill>
                   <a:srgbClr val="000000"/>
                 </a:solidFill>
@@ -25068,7 +25106,7 @@
           </a:ln>
           <a:extLst>
             <a:ext uri="{909E8E84-426E-40dd-AFC4-6F175D3DCCD1}">
-              <a14:hiddenFill xmlns:a14="http://schemas.microsoft.com/office/drawing/2010/main" xmlns="">
+              <a14:hiddenFill xmlns="" xmlns:a14="http://schemas.microsoft.com/office/drawing/2010/main">
                 <a:noFill/>
               </a14:hiddenFill>
             </a:ext>
@@ -25107,14 +25145,14 @@
           </a:ln>
           <a:extLst>
             <a:ext uri="{909E8E84-426E-40dd-AFC4-6F175D3DCCD1}">
-              <a14:hiddenFill xmlns:a14="http://schemas.microsoft.com/office/drawing/2010/main" xmlns="">
+              <a14:hiddenFill xmlns="" xmlns:a14="http://schemas.microsoft.com/office/drawing/2010/main">
                 <a:solidFill>
                   <a:srgbClr val="FFFFFF"/>
                 </a:solidFill>
               </a14:hiddenFill>
             </a:ext>
             <a:ext uri="{91240B29-F687-4f45-9708-019B960494DF}">
-              <a14:hiddenLine xmlns:a14="http://schemas.microsoft.com/office/drawing/2010/main" xmlns="" w="12700">
+              <a14:hiddenLine xmlns="" xmlns:a14="http://schemas.microsoft.com/office/drawing/2010/main" w="12700">
                 <a:solidFill>
                   <a:srgbClr val="000000"/>
                 </a:solidFill>

--- a/lectures/DJ-09-Forms.pptx
+++ b/lectures/DJ-09-Forms.pptx
@@ -236,7 +236,7 @@
           <a:p>
             <a:fld id="{C97B56FC-7D2E-F343-9D09-0D14B00AA564}" type="datetimeFigureOut">
               <a:rPr lang="en-US" smtClean="0"/>
-              <a:t>9/25/19</a:t>
+              <a:t>9/26/19</a:t>
             </a:fld>
             <a:endParaRPr lang="en-US"/>
           </a:p>
@@ -1181,7 +1181,7 @@
           <a:p>
             <a:fld id="{EEE7C04C-7AF8-1445-A186-502B631B934F}" type="datetimeFigureOut">
               <a:rPr lang="en-US" smtClean="0"/>
-              <a:t>9/25/19</a:t>
+              <a:t>9/26/19</a:t>
             </a:fld>
             <a:endParaRPr lang="en-US"/>
           </a:p>
@@ -1346,7 +1346,7 @@
           <a:p>
             <a:fld id="{EEE7C04C-7AF8-1445-A186-502B631B934F}" type="datetimeFigureOut">
               <a:rPr lang="en-US" smtClean="0"/>
-              <a:t>9/25/19</a:t>
+              <a:t>9/26/19</a:t>
             </a:fld>
             <a:endParaRPr lang="en-US"/>
           </a:p>
@@ -1521,7 +1521,7 @@
           <a:p>
             <a:fld id="{EEE7C04C-7AF8-1445-A186-502B631B934F}" type="datetimeFigureOut">
               <a:rPr lang="en-US" smtClean="0"/>
-              <a:t>9/25/19</a:t>
+              <a:t>9/26/19</a:t>
             </a:fld>
             <a:endParaRPr lang="en-US"/>
           </a:p>
@@ -1686,7 +1686,7 @@
           <a:p>
             <a:fld id="{EEE7C04C-7AF8-1445-A186-502B631B934F}" type="datetimeFigureOut">
               <a:rPr lang="en-US" smtClean="0"/>
-              <a:t>9/25/19</a:t>
+              <a:t>9/26/19</a:t>
             </a:fld>
             <a:endParaRPr lang="en-US"/>
           </a:p>
@@ -1927,7 +1927,7 @@
           <a:p>
             <a:fld id="{EEE7C04C-7AF8-1445-A186-502B631B934F}" type="datetimeFigureOut">
               <a:rPr lang="en-US" smtClean="0"/>
-              <a:t>9/25/19</a:t>
+              <a:t>9/26/19</a:t>
             </a:fld>
             <a:endParaRPr lang="en-US"/>
           </a:p>
@@ -2154,7 +2154,7 @@
           <a:p>
             <a:fld id="{EEE7C04C-7AF8-1445-A186-502B631B934F}" type="datetimeFigureOut">
               <a:rPr lang="en-US" smtClean="0"/>
-              <a:t>9/25/19</a:t>
+              <a:t>9/26/19</a:t>
             </a:fld>
             <a:endParaRPr lang="en-US"/>
           </a:p>
@@ -2516,7 +2516,7 @@
           <a:p>
             <a:fld id="{EEE7C04C-7AF8-1445-A186-502B631B934F}" type="datetimeFigureOut">
               <a:rPr lang="en-US" smtClean="0"/>
-              <a:t>9/25/19</a:t>
+              <a:t>9/26/19</a:t>
             </a:fld>
             <a:endParaRPr lang="en-US"/>
           </a:p>
@@ -2629,7 +2629,7 @@
           <a:p>
             <a:fld id="{EEE7C04C-7AF8-1445-A186-502B631B934F}" type="datetimeFigureOut">
               <a:rPr lang="en-US" smtClean="0"/>
-              <a:t>9/25/19</a:t>
+              <a:t>9/26/19</a:t>
             </a:fld>
             <a:endParaRPr lang="en-US"/>
           </a:p>
@@ -2719,7 +2719,7 @@
           <a:p>
             <a:fld id="{EEE7C04C-7AF8-1445-A186-502B631B934F}" type="datetimeFigureOut">
               <a:rPr lang="en-US" smtClean="0"/>
-              <a:t>9/25/19</a:t>
+              <a:t>9/26/19</a:t>
             </a:fld>
             <a:endParaRPr lang="en-US"/>
           </a:p>
@@ -2991,7 +2991,7 @@
           <a:p>
             <a:fld id="{EEE7C04C-7AF8-1445-A186-502B631B934F}" type="datetimeFigureOut">
               <a:rPr lang="en-US" smtClean="0"/>
-              <a:t>9/25/19</a:t>
+              <a:t>9/26/19</a:t>
             </a:fld>
             <a:endParaRPr lang="en-US"/>
           </a:p>
@@ -3243,7 +3243,7 @@
           <a:p>
             <a:fld id="{EEE7C04C-7AF8-1445-A186-502B631B934F}" type="datetimeFigureOut">
               <a:rPr lang="en-US" smtClean="0"/>
-              <a:t>9/25/19</a:t>
+              <a:t>9/26/19</a:t>
             </a:fld>
             <a:endParaRPr lang="en-US"/>
           </a:p>
@@ -3451,7 +3451,7 @@
           <a:p>
             <a:fld id="{EEE7C04C-7AF8-1445-A186-502B631B934F}" type="datetimeFigureOut">
               <a:rPr lang="en-US" smtClean="0"/>
-              <a:t>9/25/19</a:t>
+              <a:t>9/26/19</a:t>
             </a:fld>
             <a:endParaRPr lang="en-US"/>
           </a:p>
@@ -3869,10 +3869,10 @@
           <p:cNvPr id="10" name="Rectangle 9">
             <a:extLst>
               <a:ext uri="{FF2B5EF4-FFF2-40B4-BE49-F238E27FC236}">
-                <a16:creationId xmlns="" xmlns:a16="http://schemas.microsoft.com/office/drawing/2014/main" id="{E20EB187-900F-4AF5-813B-101456D9FD39}"/>
+                <a16:creationId xmlns:a16="http://schemas.microsoft.com/office/drawing/2014/main" xmlns="" id="{E20EB187-900F-4AF5-813B-101456D9FD39}"/>
               </a:ext>
               <a:ext uri="{C183D7F6-B498-43B3-948B-1728B52AA6E4}">
-                <adec:decorative xmlns="" xmlns:adec="http://schemas.microsoft.com/office/drawing/2017/decorative" val="1"/>
+                <adec:decorative xmlns:adec="http://schemas.microsoft.com/office/drawing/2017/decorative" xmlns="" val="1"/>
               </a:ext>
             </a:extLst>
           </p:cNvPr>
@@ -4016,10 +4016,10 @@
           <p:cNvPr id="12" name="Straight Connector 11">
             <a:extLst>
               <a:ext uri="{FF2B5EF4-FFF2-40B4-BE49-F238E27FC236}">
-                <a16:creationId xmlns="" xmlns:a16="http://schemas.microsoft.com/office/drawing/2014/main" id="{624D17C8-E9C2-48A4-AA36-D7048A6CCC41}"/>
+                <a16:creationId xmlns:a16="http://schemas.microsoft.com/office/drawing/2014/main" xmlns="" id="{624D17C8-E9C2-48A4-AA36-D7048A6CCC41}"/>
               </a:ext>
               <a:ext uri="{C183D7F6-B498-43B3-948B-1728B52AA6E4}">
-                <adec:decorative xmlns="" xmlns:adec="http://schemas.microsoft.com/office/drawing/2017/decorative" val="1"/>
+                <adec:decorative xmlns:adec="http://schemas.microsoft.com/office/drawing/2017/decorative" xmlns="" val="1"/>
               </a:ext>
             </a:extLst>
           </p:cNvPr>
@@ -6267,10 +6267,10 @@
           <p:cNvPr id="135" name="Rectangle 134">
             <a:extLst>
               <a:ext uri="{FF2B5EF4-FFF2-40B4-BE49-F238E27FC236}">
-                <a16:creationId xmlns="" xmlns:a16="http://schemas.microsoft.com/office/drawing/2014/main" id="{867D4867-5BA7-4462-B2F6-A23F4A622AA7}"/>
+                <a16:creationId xmlns:a16="http://schemas.microsoft.com/office/drawing/2014/main" xmlns="" id="{867D4867-5BA7-4462-B2F6-A23F4A622AA7}"/>
               </a:ext>
               <a:ext uri="{C183D7F6-B498-43B3-948B-1728B52AA6E4}">
-                <adec:decorative xmlns="" xmlns:adec="http://schemas.microsoft.com/office/drawing/2017/decorative" val="1"/>
+                <adec:decorative xmlns:adec="http://schemas.microsoft.com/office/drawing/2017/decorative" xmlns="" val="1"/>
               </a:ext>
             </a:extLst>
           </p:cNvPr>
@@ -8479,6 +8479,46 @@
           </a:fontRef>
         </p:style>
       </p:cxnSp>
+      <p:cxnSp>
+        <p:nvCxnSpPr>
+          <p:cNvPr id="57" name="Straight Arrow Connector 56"/>
+          <p:cNvCxnSpPr>
+            <a:stCxn id="14" idx="2"/>
+            <a:endCxn id="49" idx="0"/>
+          </p:cNvCxnSpPr>
+          <p:nvPr/>
+        </p:nvCxnSpPr>
+        <p:spPr>
+          <a:xfrm flipH="1">
+            <a:off x="8664626" y="3966793"/>
+            <a:ext cx="473108" cy="448341"/>
+          </a:xfrm>
+          <a:prstGeom prst="straightConnector1">
+            <a:avLst/>
+          </a:prstGeom>
+          <a:ln w="38100">
+            <a:solidFill>
+              <a:schemeClr val="tx1"/>
+            </a:solidFill>
+            <a:headEnd type="triangle" w="med" len="med"/>
+            <a:tailEnd type="triangle" w="med" len="med"/>
+          </a:ln>
+        </p:spPr>
+        <p:style>
+          <a:lnRef idx="1">
+            <a:schemeClr val="accent1"/>
+          </a:lnRef>
+          <a:fillRef idx="0">
+            <a:schemeClr val="accent1"/>
+          </a:fillRef>
+          <a:effectRef idx="0">
+            <a:schemeClr val="accent1"/>
+          </a:effectRef>
+          <a:fontRef idx="minor">
+            <a:schemeClr val="tx1"/>
+          </a:fontRef>
+        </p:style>
+      </p:cxnSp>
     </p:spTree>
     <p:extLst>
       <p:ext uri="{BB962C8B-B14F-4D97-AF65-F5344CB8AC3E}">
@@ -15226,10 +15266,10 @@
           <p:cNvPr id="15" name="Down Arrow 7">
             <a:extLst>
               <a:ext uri="{FF2B5EF4-FFF2-40B4-BE49-F238E27FC236}">
-                <a16:creationId xmlns="" xmlns:a16="http://schemas.microsoft.com/office/drawing/2014/main" id="{73DE2CFE-42F2-48F0-8706-5264E012B10C}"/>
+                <a16:creationId xmlns:a16="http://schemas.microsoft.com/office/drawing/2014/main" xmlns="" id="{73DE2CFE-42F2-48F0-8706-5264E012B10C}"/>
               </a:ext>
               <a:ext uri="{C183D7F6-B498-43B3-948B-1728B52AA6E4}">
-                <adec:decorative xmlns="" xmlns:adec="http://schemas.microsoft.com/office/drawing/2017/decorative" val="1"/>
+                <adec:decorative xmlns:adec="http://schemas.microsoft.com/office/drawing/2017/decorative" xmlns="" val="1"/>
               </a:ext>
             </a:extLst>
           </p:cNvPr>
@@ -15354,7 +15394,7 @@
           <p:cNvPr id="12" name="Content Placeholder 11">
             <a:extLst>
               <a:ext uri="{FF2B5EF4-FFF2-40B4-BE49-F238E27FC236}">
-                <a16:creationId xmlns="" xmlns:a16="http://schemas.microsoft.com/office/drawing/2014/main" id="{10441444-F734-43CA-98E6-1F3C07414448}"/>
+                <a16:creationId xmlns:a16="http://schemas.microsoft.com/office/drawing/2014/main" xmlns="" id="{10441444-F734-43CA-98E6-1F3C07414448}"/>
               </a:ext>
             </a:extLst>
           </p:cNvPr>
@@ -24569,14 +24609,14 @@
           </a:ln>
           <a:extLst>
             <a:ext uri="{909E8E84-426E-40dd-AFC4-6F175D3DCCD1}">
-              <a14:hiddenFill xmlns="" xmlns:a14="http://schemas.microsoft.com/office/drawing/2010/main">
+              <a14:hiddenFill xmlns:a14="http://schemas.microsoft.com/office/drawing/2010/main" xmlns="">
                 <a:solidFill>
                   <a:srgbClr val="FFFFFF"/>
                 </a:solidFill>
               </a14:hiddenFill>
             </a:ext>
             <a:ext uri="{91240B29-F687-4f45-9708-019B960494DF}">
-              <a14:hiddenLine xmlns="" xmlns:a14="http://schemas.microsoft.com/office/drawing/2010/main" w="12700">
+              <a14:hiddenLine xmlns:a14="http://schemas.microsoft.com/office/drawing/2010/main" xmlns="" w="12700">
                 <a:solidFill>
                   <a:srgbClr val="000000"/>
                 </a:solidFill>
@@ -24761,7 +24801,7 @@
           </a:ln>
           <a:extLst>
             <a:ext uri="{91240B29-F687-4f45-9708-019B960494DF}">
-              <a14:hiddenLine xmlns="" xmlns:a14="http://schemas.microsoft.com/office/drawing/2010/main" w="12700">
+              <a14:hiddenLine xmlns:a14="http://schemas.microsoft.com/office/drawing/2010/main" xmlns="" w="12700">
                 <a:solidFill>
                   <a:srgbClr val="000000"/>
                 </a:solidFill>
@@ -24932,7 +24972,7 @@
           </a:ln>
           <a:extLst>
             <a:ext uri="{91240B29-F687-4f45-9708-019B960494DF}">
-              <a14:hiddenLine xmlns="" xmlns:a14="http://schemas.microsoft.com/office/drawing/2010/main" w="12700">
+              <a14:hiddenLine xmlns:a14="http://schemas.microsoft.com/office/drawing/2010/main" xmlns="" w="12700">
                 <a:solidFill>
                   <a:srgbClr val="000000"/>
                 </a:solidFill>
@@ -25106,7 +25146,7 @@
           </a:ln>
           <a:extLst>
             <a:ext uri="{909E8E84-426E-40dd-AFC4-6F175D3DCCD1}">
-              <a14:hiddenFill xmlns="" xmlns:a14="http://schemas.microsoft.com/office/drawing/2010/main">
+              <a14:hiddenFill xmlns:a14="http://schemas.microsoft.com/office/drawing/2010/main" xmlns="">
                 <a:noFill/>
               </a14:hiddenFill>
             </a:ext>
@@ -25145,14 +25185,14 @@
           </a:ln>
           <a:extLst>
             <a:ext uri="{909E8E84-426E-40dd-AFC4-6F175D3DCCD1}">
-              <a14:hiddenFill xmlns="" xmlns:a14="http://schemas.microsoft.com/office/drawing/2010/main">
+              <a14:hiddenFill xmlns:a14="http://schemas.microsoft.com/office/drawing/2010/main" xmlns="">
                 <a:solidFill>
                   <a:srgbClr val="FFFFFF"/>
                 </a:solidFill>
               </a14:hiddenFill>
             </a:ext>
             <a:ext uri="{91240B29-F687-4f45-9708-019B960494DF}">
-              <a14:hiddenLine xmlns="" xmlns:a14="http://schemas.microsoft.com/office/drawing/2010/main" w="12700">
+              <a14:hiddenLine xmlns:a14="http://schemas.microsoft.com/office/drawing/2010/main" xmlns="" w="12700">
                 <a:solidFill>
                   <a:srgbClr val="000000"/>
                 </a:solidFill>

--- a/lectures/DJ-09-Forms.pptx
+++ b/lectures/DJ-09-Forms.pptx
@@ -5,7 +5,7 @@
     <p:sldMasterId id="2147483660" r:id="rId1"/>
   </p:sldMasterIdLst>
   <p:notesMasterIdLst>
-    <p:notesMasterId r:id="rId60"/>
+    <p:notesMasterId r:id="rId63"/>
   </p:notesMasterIdLst>
   <p:sldIdLst>
     <p:sldId id="258" r:id="rId2"/>
@@ -57,15 +57,18 @@
     <p:sldId id="387" r:id="rId48"/>
     <p:sldId id="388" r:id="rId49"/>
     <p:sldId id="331" r:id="rId50"/>
-    <p:sldId id="383" r:id="rId51"/>
-    <p:sldId id="382" r:id="rId52"/>
-    <p:sldId id="347" r:id="rId53"/>
-    <p:sldId id="348" r:id="rId54"/>
-    <p:sldId id="343" r:id="rId55"/>
-    <p:sldId id="344" r:id="rId56"/>
-    <p:sldId id="346" r:id="rId57"/>
-    <p:sldId id="281" r:id="rId58"/>
-    <p:sldId id="273" r:id="rId59"/>
+    <p:sldId id="389" r:id="rId51"/>
+    <p:sldId id="391" r:id="rId52"/>
+    <p:sldId id="383" r:id="rId53"/>
+    <p:sldId id="382" r:id="rId54"/>
+    <p:sldId id="347" r:id="rId55"/>
+    <p:sldId id="348" r:id="rId56"/>
+    <p:sldId id="343" r:id="rId57"/>
+    <p:sldId id="344" r:id="rId58"/>
+    <p:sldId id="346" r:id="rId59"/>
+    <p:sldId id="281" r:id="rId60"/>
+    <p:sldId id="273" r:id="rId61"/>
+    <p:sldId id="390" r:id="rId62"/>
   </p:sldIdLst>
   <p:sldSz cx="12192000" cy="6858000"/>
   <p:notesSz cx="6858000" cy="9144000"/>
@@ -3887,10 +3890,10 @@
           <p:cNvPr id="10" name="Rectangle 9">
             <a:extLst>
               <a:ext uri="{FF2B5EF4-FFF2-40B4-BE49-F238E27FC236}">
-                <a16:creationId xmlns:a16="http://schemas.microsoft.com/office/drawing/2014/main" xmlns="" id="{E20EB187-900F-4AF5-813B-101456D9FD39}"/>
+                <a16:creationId xmlns="" xmlns:a16="http://schemas.microsoft.com/office/drawing/2014/main" id="{E20EB187-900F-4AF5-813B-101456D9FD39}"/>
               </a:ext>
               <a:ext uri="{C183D7F6-B498-43B3-948B-1728B52AA6E4}">
-                <adec:decorative xmlns:adec="http://schemas.microsoft.com/office/drawing/2017/decorative" xmlns="" val="1"/>
+                <adec:decorative xmlns="" xmlns:adec="http://schemas.microsoft.com/office/drawing/2017/decorative" val="1"/>
               </a:ext>
             </a:extLst>
           </p:cNvPr>
@@ -4034,10 +4037,10 @@
           <p:cNvPr id="12" name="Straight Connector 11">
             <a:extLst>
               <a:ext uri="{FF2B5EF4-FFF2-40B4-BE49-F238E27FC236}">
-                <a16:creationId xmlns:a16="http://schemas.microsoft.com/office/drawing/2014/main" xmlns="" id="{624D17C8-E9C2-48A4-AA36-D7048A6CCC41}"/>
+                <a16:creationId xmlns="" xmlns:a16="http://schemas.microsoft.com/office/drawing/2014/main" id="{624D17C8-E9C2-48A4-AA36-D7048A6CCC41}"/>
               </a:ext>
               <a:ext uri="{C183D7F6-B498-43B3-948B-1728B52AA6E4}">
-                <adec:decorative xmlns:adec="http://schemas.microsoft.com/office/drawing/2017/decorative" xmlns="" val="1"/>
+                <adec:decorative xmlns="" xmlns:adec="http://schemas.microsoft.com/office/drawing/2017/decorative" val="1"/>
               </a:ext>
             </a:extLst>
           </p:cNvPr>
@@ -4435,17 +4438,7 @@
                 <a:latin typeface="Courier" charset="0"/>
                 <a:ea typeface="ＭＳ Ｐゴシック" charset="-128"/>
               </a:rPr>
-              <a:t>/</a:t>
-            </a:r>
-            <a:r>
-              <a:rPr lang="en-US" altLang="x-none" sz="2133" dirty="0" smtClean="0">
-                <a:solidFill>
-                  <a:srgbClr val="FFFF00"/>
-                </a:solidFill>
-                <a:latin typeface="Courier" charset="0"/>
-                <a:ea typeface="ＭＳ Ｐゴシック" charset="-128"/>
-              </a:rPr>
-              <a:t>form/</a:t>
+              <a:t>/form/</a:t>
             </a:r>
             <a:r>
               <a:rPr lang="en-US" altLang="x-none" sz="2133" dirty="0" err="1" smtClean="0">
@@ -4706,17 +4699,7 @@
                 <a:latin typeface="Courier" charset="0"/>
                 <a:ea typeface="ＭＳ Ｐゴシック" charset="-128"/>
               </a:rPr>
-              <a:t>/</a:t>
-            </a:r>
-            <a:r>
-              <a:rPr lang="en-US" altLang="x-none" dirty="0" smtClean="0">
-                <a:solidFill>
-                  <a:srgbClr val="FFFF00"/>
-                </a:solidFill>
-                <a:latin typeface="Courier" charset="0"/>
-                <a:ea typeface="ＭＳ Ｐゴシック" charset="-128"/>
-              </a:rPr>
-              <a:t>form/</a:t>
+              <a:t>/form/</a:t>
             </a:r>
             <a:r>
               <a:rPr lang="en-US" altLang="x-none" dirty="0" err="1" smtClean="0">
@@ -4902,14 +4885,14 @@
           </a:ln>
           <a:extLst>
             <a:ext uri="{909E8E84-426E-40dd-AFC4-6F175D3DCCD1}">
-              <a14:hiddenFill xmlns:a14="http://schemas.microsoft.com/office/drawing/2010/main" xmlns="">
+              <a14:hiddenFill xmlns="" xmlns:a14="http://schemas.microsoft.com/office/drawing/2010/main">
                 <a:solidFill>
                   <a:srgbClr val="FFFFFF"/>
                 </a:solidFill>
               </a14:hiddenFill>
             </a:ext>
             <a:ext uri="{91240B29-F687-4f45-9708-019B960494DF}">
-              <a14:hiddenLine xmlns:a14="http://schemas.microsoft.com/office/drawing/2010/main" xmlns="" w="12700">
+              <a14:hiddenLine xmlns="" xmlns:a14="http://schemas.microsoft.com/office/drawing/2010/main" w="12700">
                 <a:solidFill>
                   <a:srgbClr val="000000"/>
                 </a:solidFill>
@@ -5094,7 +5077,7 @@
           </a:ln>
           <a:extLst>
             <a:ext uri="{91240B29-F687-4f45-9708-019B960494DF}">
-              <a14:hiddenLine xmlns:a14="http://schemas.microsoft.com/office/drawing/2010/main" xmlns="" w="12700">
+              <a14:hiddenLine xmlns="" xmlns:a14="http://schemas.microsoft.com/office/drawing/2010/main" w="12700">
                 <a:solidFill>
                   <a:srgbClr val="000000"/>
                 </a:solidFill>
@@ -5265,7 +5248,7 @@
           </a:ln>
           <a:extLst>
             <a:ext uri="{91240B29-F687-4f45-9708-019B960494DF}">
-              <a14:hiddenLine xmlns:a14="http://schemas.microsoft.com/office/drawing/2010/main" xmlns="" w="12700">
+              <a14:hiddenLine xmlns="" xmlns:a14="http://schemas.microsoft.com/office/drawing/2010/main" w="12700">
                 <a:solidFill>
                   <a:srgbClr val="000000"/>
                 </a:solidFill>
@@ -5439,7 +5422,7 @@
           </a:ln>
           <a:extLst>
             <a:ext uri="{909E8E84-426E-40dd-AFC4-6F175D3DCCD1}">
-              <a14:hiddenFill xmlns:a14="http://schemas.microsoft.com/office/drawing/2010/main" xmlns="">
+              <a14:hiddenFill xmlns="" xmlns:a14="http://schemas.microsoft.com/office/drawing/2010/main">
                 <a:noFill/>
               </a14:hiddenFill>
             </a:ext>
@@ -5478,14 +5461,14 @@
           </a:ln>
           <a:extLst>
             <a:ext uri="{909E8E84-426E-40dd-AFC4-6F175D3DCCD1}">
-              <a14:hiddenFill xmlns:a14="http://schemas.microsoft.com/office/drawing/2010/main" xmlns="">
+              <a14:hiddenFill xmlns="" xmlns:a14="http://schemas.microsoft.com/office/drawing/2010/main">
                 <a:solidFill>
                   <a:srgbClr val="FFFFFF"/>
                 </a:solidFill>
               </a14:hiddenFill>
             </a:ext>
             <a:ext uri="{91240B29-F687-4f45-9708-019B960494DF}">
-              <a14:hiddenLine xmlns:a14="http://schemas.microsoft.com/office/drawing/2010/main" xmlns="" w="12700">
+              <a14:hiddenLine xmlns="" xmlns:a14="http://schemas.microsoft.com/office/drawing/2010/main" w="12700">
                 <a:solidFill>
                   <a:srgbClr val="000000"/>
                 </a:solidFill>
@@ -6736,15 +6719,7 @@
           <a:p>
             <a:r>
               <a:rPr lang="en-US" dirty="0" smtClean="0"/>
-              <a:t>A rogue site generates a page that includes form that posts data to a </a:t>
-            </a:r>
-            <a:r>
-              <a:rPr lang="en-US" dirty="0" smtClean="0"/>
-              <a:t>legitimate site </a:t>
-            </a:r>
-            <a:r>
-              <a:rPr lang="en-US" dirty="0" smtClean="0"/>
-              <a:t>where the user is logged in via a session cookie</a:t>
+              <a:t>A rogue site generates a page that includes form that posts data to a legitimate site where the user is logged in via a session cookie</a:t>
             </a:r>
           </a:p>
           <a:p>
@@ -14905,11 +14880,7 @@
           <a:p>
             <a:r>
               <a:rPr lang="en-US" dirty="0" smtClean="0"/>
-              <a:t>Django has built in support to generate, use, and check CSRF </a:t>
-            </a:r>
-            <a:r>
-              <a:rPr lang="en-US" dirty="0" smtClean="0"/>
-              <a:t>Tokens</a:t>
+              <a:t>Django has built in support to generate, use, and check CSRF Tokens</a:t>
             </a:r>
           </a:p>
           <a:p>
@@ -17310,10 +17281,10 @@
           <p:cNvPr id="15" name="Down Arrow 7">
             <a:extLst>
               <a:ext uri="{FF2B5EF4-FFF2-40B4-BE49-F238E27FC236}">
-                <a16:creationId xmlns:a16="http://schemas.microsoft.com/office/drawing/2014/main" xmlns="" id="{73DE2CFE-42F2-48F0-8706-5264E012B10C}"/>
+                <a16:creationId xmlns="" xmlns:a16="http://schemas.microsoft.com/office/drawing/2014/main" id="{73DE2CFE-42F2-48F0-8706-5264E012B10C}"/>
               </a:ext>
               <a:ext uri="{C183D7F6-B498-43B3-948B-1728B52AA6E4}">
-                <adec:decorative xmlns:adec="http://schemas.microsoft.com/office/drawing/2017/decorative" xmlns="" val="1"/>
+                <adec:decorative xmlns="" xmlns:adec="http://schemas.microsoft.com/office/drawing/2017/decorative" val="1"/>
               </a:ext>
             </a:extLst>
           </p:cNvPr>
@@ -21374,10 +21345,10 @@
           <p:cNvPr id="199" name="Rectangle 198">
             <a:extLst>
               <a:ext uri="{FF2B5EF4-FFF2-40B4-BE49-F238E27FC236}">
-                <a16:creationId xmlns:a16="http://schemas.microsoft.com/office/drawing/2014/main" xmlns="" id="{42A5316D-ED2F-4F89-B4B4-8D9240B1A348}"/>
+                <a16:creationId xmlns="" xmlns:a16="http://schemas.microsoft.com/office/drawing/2014/main" id="{42A5316D-ED2F-4F89-B4B4-8D9240B1A348}"/>
               </a:ext>
               <a:ext uri="{C183D7F6-B498-43B3-948B-1728B52AA6E4}">
-                <adec:decorative xmlns:adec="http://schemas.microsoft.com/office/drawing/2017/decorative" xmlns="" val="1"/>
+                <adec:decorative xmlns="" xmlns:adec="http://schemas.microsoft.com/office/drawing/2017/decorative" val="1"/>
               </a:ext>
             </a:extLst>
           </p:cNvPr>
@@ -25868,8 +25839,49 @@
           <a:lstStyle/>
           <a:p>
             <a:r>
-              <a:rPr lang="en-US" dirty="0" err="1" smtClean="0"/>
-              <a:t>forms.py</a:t>
+              <a:rPr lang="en-US" dirty="0"/>
+              <a:t>https://samples.dj4e.com/form/</a:t>
+            </a:r>
+            <a:endParaRPr lang="en-US" dirty="0" smtClean="0"/>
+          </a:p>
+          <a:p>
+            <a:r>
+              <a:rPr lang="en-US" dirty="0"/>
+              <a:t>https://</a:t>
+            </a:r>
+            <a:r>
+              <a:rPr lang="en-US" dirty="0" err="1"/>
+              <a:t>docs.djangoproject.com</a:t>
+            </a:r>
+            <a:r>
+              <a:rPr lang="en-US" dirty="0"/>
+              <a:t>/</a:t>
+            </a:r>
+            <a:r>
+              <a:rPr lang="en-US" dirty="0" err="1"/>
+              <a:t>en</a:t>
+            </a:r>
+            <a:r>
+              <a:rPr lang="en-US" dirty="0"/>
+              <a:t>/2.2/topics/forms</a:t>
+            </a:r>
+            <a:r>
+              <a:rPr lang="en-US" dirty="0" smtClean="0"/>
+              <a:t>/</a:t>
+            </a:r>
+          </a:p>
+          <a:p>
+            <a:r>
+              <a:rPr lang="en-US" dirty="0"/>
+              <a:t>https://</a:t>
+            </a:r>
+            <a:r>
+              <a:rPr lang="en-US" dirty="0" err="1"/>
+              <a:t>github.com</a:t>
+            </a:r>
+            <a:r>
+              <a:rPr lang="en-US" dirty="0"/>
+              <a:t>/csev/dj4e-samples/tree/master/form</a:t>
             </a:r>
             <a:endParaRPr lang="en-US" dirty="0"/>
           </a:p>
@@ -26988,6 +27000,433 @@
 </file>
 
 <file path=ppt/slides/slide50.xml><?xml version="1.0" encoding="utf-8"?>
+<p:sld xmlns:a="http://schemas.openxmlformats.org/drawingml/2006/main" xmlns:r="http://schemas.openxmlformats.org/officeDocument/2006/relationships" xmlns:p="http://schemas.openxmlformats.org/presentationml/2006/main">
+  <p:cSld>
+    <p:spTree>
+      <p:nvGrpSpPr>
+        <p:cNvPr id="1" name=""/>
+        <p:cNvGrpSpPr/>
+        <p:nvPr/>
+      </p:nvGrpSpPr>
+      <p:grpSpPr>
+        <a:xfrm>
+          <a:off x="0" y="0"/>
+          <a:ext cx="0" cy="0"/>
+          <a:chOff x="0" y="0"/>
+          <a:chExt cx="0" cy="0"/>
+        </a:xfrm>
+      </p:grpSpPr>
+      <p:sp>
+        <p:nvSpPr>
+          <p:cNvPr id="4" name="Title 3"/>
+          <p:cNvSpPr>
+            <a:spLocks noGrp="1"/>
+          </p:cNvSpPr>
+          <p:nvPr>
+            <p:ph type="title"/>
+          </p:nvPr>
+        </p:nvSpPr>
+        <p:spPr/>
+        <p:txBody>
+          <a:bodyPr/>
+          <a:lstStyle/>
+          <a:p>
+            <a:r>
+              <a:rPr lang="en-US" dirty="0" smtClean="0"/>
+              <a:t>Django's role in forms  (DRY)</a:t>
+            </a:r>
+            <a:endParaRPr lang="en-US" dirty="0"/>
+          </a:p>
+        </p:txBody>
+      </p:sp>
+      <p:sp>
+        <p:nvSpPr>
+          <p:cNvPr id="7" name="Rectangle 6"/>
+          <p:cNvSpPr/>
+          <p:nvPr/>
+        </p:nvSpPr>
+        <p:spPr>
+          <a:xfrm>
+            <a:off x="2205038" y="5784116"/>
+            <a:ext cx="8305800" cy="369332"/>
+          </a:xfrm>
+          <a:prstGeom prst="rect">
+            <a:avLst/>
+          </a:prstGeom>
+        </p:spPr>
+        <p:txBody>
+          <a:bodyPr wrap="square">
+            <a:spAutoFit/>
+          </a:bodyPr>
+          <a:lstStyle/>
+          <a:p>
+            <a:r>
+              <a:rPr lang="en-US" dirty="0">
+                <a:solidFill>
+                  <a:srgbClr val="FFFF00"/>
+                </a:solidFill>
+              </a:rPr>
+              <a:t>https://</a:t>
+            </a:r>
+            <a:r>
+              <a:rPr lang="en-US" dirty="0" err="1">
+                <a:solidFill>
+                  <a:srgbClr val="FFFF00"/>
+                </a:solidFill>
+              </a:rPr>
+              <a:t>docs.djangoproject.com</a:t>
+            </a:r>
+            <a:r>
+              <a:rPr lang="en-US" dirty="0">
+                <a:solidFill>
+                  <a:srgbClr val="FFFF00"/>
+                </a:solidFill>
+              </a:rPr>
+              <a:t>/</a:t>
+            </a:r>
+            <a:r>
+              <a:rPr lang="en-US" dirty="0" err="1">
+                <a:solidFill>
+                  <a:srgbClr val="FFFF00"/>
+                </a:solidFill>
+              </a:rPr>
+              <a:t>en</a:t>
+            </a:r>
+            <a:r>
+              <a:rPr lang="en-US" dirty="0">
+                <a:solidFill>
+                  <a:srgbClr val="FFFF00"/>
+                </a:solidFill>
+              </a:rPr>
+              <a:t>/2.2/topics/forms/#</a:t>
+            </a:r>
+            <a:r>
+              <a:rPr lang="en-US" dirty="0" err="1">
+                <a:solidFill>
+                  <a:srgbClr val="FFFF00"/>
+                </a:solidFill>
+              </a:rPr>
+              <a:t>django</a:t>
+            </a:r>
+            <a:r>
+              <a:rPr lang="en-US" dirty="0">
+                <a:solidFill>
+                  <a:srgbClr val="FFFF00"/>
+                </a:solidFill>
+              </a:rPr>
+              <a:t>-s-role-in-forms</a:t>
+            </a:r>
+          </a:p>
+        </p:txBody>
+      </p:sp>
+      <p:sp>
+        <p:nvSpPr>
+          <p:cNvPr id="9" name="Rectangle 8"/>
+          <p:cNvSpPr/>
+          <p:nvPr/>
+        </p:nvSpPr>
+        <p:spPr>
+          <a:xfrm>
+            <a:off x="838200" y="1690688"/>
+            <a:ext cx="10163175" cy="3893374"/>
+          </a:xfrm>
+          <a:prstGeom prst="rect">
+            <a:avLst/>
+          </a:prstGeom>
+          <a:solidFill>
+            <a:schemeClr val="tx1"/>
+          </a:solidFill>
+        </p:spPr>
+        <p:txBody>
+          <a:bodyPr wrap="square">
+            <a:spAutoFit/>
+          </a:bodyPr>
+          <a:lstStyle/>
+          <a:p>
+            <a:r>
+              <a:rPr lang="en-US" sz="1900" dirty="0">
+                <a:solidFill>
+                  <a:srgbClr val="09442A"/>
+                </a:solidFill>
+              </a:rPr>
+              <a:t>Handling forms is a complex business. Consider Django’s admin, where numerous items of data of several different types may need to be prepared for display in a form, rendered as HTML, edited using a convenient interface, returned to the server, validated and cleaned up, and then saved or passed on for further </a:t>
+            </a:r>
+            <a:r>
+              <a:rPr lang="en-US" sz="1900" dirty="0" smtClean="0">
+                <a:solidFill>
+                  <a:srgbClr val="09442A"/>
+                </a:solidFill>
+              </a:rPr>
+              <a:t>processing. Django’s </a:t>
+            </a:r>
+            <a:r>
+              <a:rPr lang="en-US" sz="1900" dirty="0">
+                <a:solidFill>
+                  <a:srgbClr val="09442A"/>
+                </a:solidFill>
+              </a:rPr>
+              <a:t>form functionality can simplify and automate vast portions of this work, and can also do it more securely than most programmers would be able to do in code they wrote themselves</a:t>
+            </a:r>
+            <a:r>
+              <a:rPr lang="en-US" sz="1900" dirty="0" smtClean="0">
+                <a:solidFill>
+                  <a:srgbClr val="09442A"/>
+                </a:solidFill>
+              </a:rPr>
+              <a:t>.</a:t>
+            </a:r>
+          </a:p>
+          <a:p>
+            <a:endParaRPr lang="en-US" sz="1900" dirty="0">
+              <a:solidFill>
+                <a:srgbClr val="09442A"/>
+              </a:solidFill>
+            </a:endParaRPr>
+          </a:p>
+          <a:p>
+            <a:r>
+              <a:rPr lang="en-US" sz="1900" dirty="0">
+                <a:solidFill>
+                  <a:srgbClr val="09442A"/>
+                </a:solidFill>
+              </a:rPr>
+              <a:t>Django handles three distinct parts of the work involved in forms</a:t>
+            </a:r>
+            <a:r>
+              <a:rPr lang="en-US" sz="1900" dirty="0" smtClean="0">
+                <a:solidFill>
+                  <a:srgbClr val="09442A"/>
+                </a:solidFill>
+              </a:rPr>
+              <a:t>:</a:t>
+            </a:r>
+            <a:endParaRPr lang="en-US" sz="1900" dirty="0">
+              <a:solidFill>
+                <a:srgbClr val="09442A"/>
+              </a:solidFill>
+            </a:endParaRPr>
+          </a:p>
+          <a:p>
+            <a:pPr marL="285750" indent="-285750">
+              <a:buFont typeface="Arial" charset="0"/>
+              <a:buChar char="•"/>
+            </a:pPr>
+            <a:r>
+              <a:rPr lang="en-US" sz="1900" dirty="0">
+                <a:solidFill>
+                  <a:srgbClr val="09442A"/>
+                </a:solidFill>
+              </a:rPr>
+              <a:t>preparing and restructuring data to make it ready for rendering</a:t>
+            </a:r>
+          </a:p>
+          <a:p>
+            <a:pPr marL="285750" indent="-285750">
+              <a:buFont typeface="Arial" charset="0"/>
+              <a:buChar char="•"/>
+            </a:pPr>
+            <a:r>
+              <a:rPr lang="en-US" sz="1900" dirty="0">
+                <a:solidFill>
+                  <a:srgbClr val="09442A"/>
+                </a:solidFill>
+              </a:rPr>
+              <a:t>creating HTML forms for the data</a:t>
+            </a:r>
+          </a:p>
+          <a:p>
+            <a:pPr marL="285750" indent="-285750">
+              <a:buFont typeface="Arial" charset="0"/>
+              <a:buChar char="•"/>
+            </a:pPr>
+            <a:r>
+              <a:rPr lang="en-US" sz="1900" dirty="0">
+                <a:solidFill>
+                  <a:srgbClr val="09442A"/>
+                </a:solidFill>
+              </a:rPr>
+              <a:t>receiving and processing submitted forms and data from the </a:t>
+            </a:r>
+            <a:r>
+              <a:rPr lang="en-US" sz="1900" dirty="0" smtClean="0">
+                <a:solidFill>
+                  <a:srgbClr val="09442A"/>
+                </a:solidFill>
+              </a:rPr>
+              <a:t>client</a:t>
+            </a:r>
+          </a:p>
+          <a:p>
+            <a:pPr marL="285750" indent="-285750">
+              <a:buFont typeface="Arial" charset="0"/>
+              <a:buChar char="•"/>
+            </a:pPr>
+            <a:endParaRPr lang="en-US" sz="1900" dirty="0">
+              <a:solidFill>
+                <a:srgbClr val="09442A"/>
+              </a:solidFill>
+            </a:endParaRPr>
+          </a:p>
+          <a:p>
+            <a:r>
+              <a:rPr lang="en-US" sz="1900" dirty="0">
+                <a:solidFill>
+                  <a:srgbClr val="09442A"/>
+                </a:solidFill>
+              </a:rPr>
+              <a:t>It is </a:t>
+            </a:r>
+            <a:r>
+              <a:rPr lang="en-US" sz="1900" i="1" dirty="0">
+                <a:solidFill>
+                  <a:srgbClr val="09442A"/>
+                </a:solidFill>
+              </a:rPr>
+              <a:t>possible</a:t>
+            </a:r>
+            <a:r>
+              <a:rPr lang="en-US" sz="1900" dirty="0">
+                <a:solidFill>
+                  <a:srgbClr val="09442A"/>
+                </a:solidFill>
+              </a:rPr>
+              <a:t> to write code that does all of this manually, but Django can take care of it all for you.</a:t>
+            </a:r>
+          </a:p>
+        </p:txBody>
+      </p:sp>
+    </p:spTree>
+    <p:extLst>
+      <p:ext uri="{BB962C8B-B14F-4D97-AF65-F5344CB8AC3E}">
+        <p14:creationId xmlns:p14="http://schemas.microsoft.com/office/powerpoint/2010/main" val="580451315"/>
+      </p:ext>
+    </p:extLst>
+  </p:cSld>
+  <p:clrMapOvr>
+    <a:masterClrMapping/>
+  </p:clrMapOvr>
+</p:sld>
+</file>
+
+<file path=ppt/slides/slide51.xml><?xml version="1.0" encoding="utf-8"?>
+<p:sld xmlns:a="http://schemas.openxmlformats.org/drawingml/2006/main" xmlns:r="http://schemas.openxmlformats.org/officeDocument/2006/relationships" xmlns:p="http://schemas.openxmlformats.org/presentationml/2006/main">
+  <p:cSld>
+    <p:spTree>
+      <p:nvGrpSpPr>
+        <p:cNvPr id="1" name=""/>
+        <p:cNvGrpSpPr/>
+        <p:nvPr/>
+      </p:nvGrpSpPr>
+      <p:grpSpPr>
+        <a:xfrm>
+          <a:off x="0" y="0"/>
+          <a:ext cx="0" cy="0"/>
+          <a:chOff x="0" y="0"/>
+          <a:chExt cx="0" cy="0"/>
+        </a:xfrm>
+      </p:grpSpPr>
+      <p:sp>
+        <p:nvSpPr>
+          <p:cNvPr id="2" name="Title 1"/>
+          <p:cNvSpPr>
+            <a:spLocks noGrp="1"/>
+          </p:cNvSpPr>
+          <p:nvPr>
+            <p:ph type="title"/>
+          </p:nvPr>
+        </p:nvSpPr>
+        <p:spPr/>
+        <p:txBody>
+          <a:bodyPr/>
+          <a:lstStyle/>
+          <a:p>
+            <a:r>
+              <a:rPr lang="en-US" dirty="0" smtClean="0"/>
+              <a:t>Do you want to build this from from scratch?</a:t>
+            </a:r>
+            <a:endParaRPr lang="en-US" dirty="0"/>
+          </a:p>
+        </p:txBody>
+      </p:sp>
+      <p:pic>
+        <p:nvPicPr>
+          <p:cNvPr id="7" name="Picture 6"/>
+          <p:cNvPicPr>
+            <a:picLocks noChangeAspect="1"/>
+          </p:cNvPicPr>
+          <p:nvPr/>
+        </p:nvPicPr>
+        <p:blipFill>
+          <a:blip r:embed="rId2">
+            <a:extLst>
+              <a:ext uri="{28A0092B-C50C-407E-A947-70E740481C1C}">
+                <a14:useLocalDpi xmlns:a14="http://schemas.microsoft.com/office/drawing/2010/main" val="0"/>
+              </a:ext>
+            </a:extLst>
+          </a:blip>
+          <a:stretch>
+            <a:fillRect/>
+          </a:stretch>
+        </p:blipFill>
+        <p:spPr>
+          <a:xfrm>
+            <a:off x="1655763" y="2655887"/>
+            <a:ext cx="8496300" cy="2489200"/>
+          </a:xfrm>
+          <a:prstGeom prst="rect">
+            <a:avLst/>
+          </a:prstGeom>
+        </p:spPr>
+      </p:pic>
+      <p:sp>
+        <p:nvSpPr>
+          <p:cNvPr id="8" name="Rectangle 7"/>
+          <p:cNvSpPr/>
+          <p:nvPr/>
+        </p:nvSpPr>
+        <p:spPr>
+          <a:xfrm>
+            <a:off x="2946465" y="1988621"/>
+            <a:ext cx="5698996" cy="369332"/>
+          </a:xfrm>
+          <a:prstGeom prst="rect">
+            <a:avLst/>
+          </a:prstGeom>
+        </p:spPr>
+        <p:txBody>
+          <a:bodyPr wrap="none">
+            <a:spAutoFit/>
+          </a:bodyPr>
+          <a:lstStyle/>
+          <a:p>
+            <a:r>
+              <a:rPr lang="en-US" dirty="0">
+                <a:solidFill>
+                  <a:srgbClr val="FFFF00"/>
+                </a:solidFill>
+                <a:latin typeface="Courier" charset="0"/>
+                <a:ea typeface="Courier" charset="0"/>
+                <a:cs typeface="Courier" charset="0"/>
+              </a:rPr>
+              <a:t>https://samples.dj4e.com/accounts/login/</a:t>
+            </a:r>
+          </a:p>
+        </p:txBody>
+      </p:sp>
+    </p:spTree>
+    <p:extLst>
+      <p:ext uri="{BB962C8B-B14F-4D97-AF65-F5344CB8AC3E}">
+        <p14:creationId xmlns:p14="http://schemas.microsoft.com/office/powerpoint/2010/main" val="1275973121"/>
+      </p:ext>
+    </p:extLst>
+  </p:cSld>
+  <p:clrMapOvr>
+    <a:masterClrMapping/>
+  </p:clrMapOvr>
+</p:sld>
+</file>
+
+<file path=ppt/slides/slide52.xml><?xml version="1.0" encoding="utf-8"?>
 <p:sld xmlns:a="http://schemas.openxmlformats.org/drawingml/2006/main" xmlns:r="http://schemas.openxmlformats.org/officeDocument/2006/relationships" xmlns:p="http://schemas.openxmlformats.org/presentationml/2006/main">
   <p:cSld>
     <p:spTree>
@@ -29042,7 +29481,7 @@
 </p:sld>
 </file>
 
-<file path=ppt/slides/slide51.xml><?xml version="1.0" encoding="utf-8"?>
+<file path=ppt/slides/slide53.xml><?xml version="1.0" encoding="utf-8"?>
 <p:sld xmlns:a="http://schemas.openxmlformats.org/drawingml/2006/main" xmlns:r="http://schemas.openxmlformats.org/officeDocument/2006/relationships" xmlns:p="http://schemas.openxmlformats.org/presentationml/2006/main">
   <p:cSld>
     <p:spTree>
@@ -29121,7 +29560,7 @@
 </p:sld>
 </file>
 
-<file path=ppt/slides/slide52.xml><?xml version="1.0" encoding="utf-8"?>
+<file path=ppt/slides/slide54.xml><?xml version="1.0" encoding="utf-8"?>
 <p:sld xmlns:a="http://schemas.openxmlformats.org/drawingml/2006/main" xmlns:r="http://schemas.openxmlformats.org/officeDocument/2006/relationships" xmlns:p="http://schemas.openxmlformats.org/presentationml/2006/main">
   <p:cSld>
     <p:spTree>
@@ -29283,7 +29722,7 @@
 </p:sld>
 </file>
 
-<file path=ppt/slides/slide53.xml><?xml version="1.0" encoding="utf-8"?>
+<file path=ppt/slides/slide55.xml><?xml version="1.0" encoding="utf-8"?>
 <p:sld xmlns:a="http://schemas.openxmlformats.org/drawingml/2006/main" xmlns:r="http://schemas.openxmlformats.org/officeDocument/2006/relationships" xmlns:p="http://schemas.openxmlformats.org/presentationml/2006/main">
   <p:cSld>
     <p:spTree>
@@ -29745,7 +30184,7 @@
 </p:sld>
 </file>
 
-<file path=ppt/slides/slide54.xml><?xml version="1.0" encoding="utf-8"?>
+<file path=ppt/slides/slide56.xml><?xml version="1.0" encoding="utf-8"?>
 <p:sld xmlns:a="http://schemas.openxmlformats.org/drawingml/2006/main" xmlns:r="http://schemas.openxmlformats.org/officeDocument/2006/relationships" xmlns:p="http://schemas.openxmlformats.org/presentationml/2006/main">
   <p:cSld>
     <p:spTree>
@@ -31412,7 +31851,7 @@
 </p:sld>
 </file>
 
-<file path=ppt/slides/slide55.xml><?xml version="1.0" encoding="utf-8"?>
+<file path=ppt/slides/slide57.xml><?xml version="1.0" encoding="utf-8"?>
 <p:sld xmlns:a="http://schemas.openxmlformats.org/drawingml/2006/main" xmlns:r="http://schemas.openxmlformats.org/officeDocument/2006/relationships" xmlns:p="http://schemas.openxmlformats.org/presentationml/2006/main">
   <p:cSld>
     <p:spTree>
@@ -33455,7 +33894,7 @@
 </p:sld>
 </file>
 
-<file path=ppt/slides/slide56.xml><?xml version="1.0" encoding="utf-8"?>
+<file path=ppt/slides/slide58.xml><?xml version="1.0" encoding="utf-8"?>
 <p:sld xmlns:a="http://schemas.openxmlformats.org/drawingml/2006/main" xmlns:r="http://schemas.openxmlformats.org/officeDocument/2006/relationships" xmlns:p="http://schemas.openxmlformats.org/presentationml/2006/main">
   <p:cSld>
     <p:spTree>
@@ -35096,7 +35535,7 @@
 </p:sld>
 </file>
 
-<file path=ppt/slides/slide57.xml><?xml version="1.0" encoding="utf-8"?>
+<file path=ppt/slides/slide59.xml><?xml version="1.0" encoding="utf-8"?>
 <p:sld xmlns:a="http://schemas.openxmlformats.org/drawingml/2006/main" xmlns:r="http://schemas.openxmlformats.org/officeDocument/2006/relationships" xmlns:p="http://schemas.openxmlformats.org/presentationml/2006/main">
   <p:cSld>
     <p:spTree>
@@ -35222,761 +35661,6 @@
       <p:transition spd="slow"/>
     </mc:Fallback>
   </mc:AlternateContent>
-  <p:timing>
-    <p:tnLst>
-      <p:par>
-        <p:cTn id="1" dur="indefinite" restart="never" nodeType="tmRoot"/>
-      </p:par>
-    </p:tnLst>
-  </p:timing>
-</p:sld>
-</file>
-
-<file path=ppt/slides/slide58.xml><?xml version="1.0" encoding="utf-8"?>
-<p:sld xmlns:a="http://schemas.openxmlformats.org/drawingml/2006/main" xmlns:r="http://schemas.openxmlformats.org/officeDocument/2006/relationships" xmlns:p="http://schemas.openxmlformats.org/presentationml/2006/main">
-  <p:cSld>
-    <p:spTree>
-      <p:nvGrpSpPr>
-        <p:cNvPr id="1" name=""/>
-        <p:cNvGrpSpPr/>
-        <p:nvPr/>
-      </p:nvGrpSpPr>
-      <p:grpSpPr>
-        <a:xfrm>
-          <a:off x="0" y="0"/>
-          <a:ext cx="0" cy="0"/>
-          <a:chOff x="0" y="0"/>
-          <a:chExt cx="0" cy="0"/>
-        </a:xfrm>
-      </p:grpSpPr>
-      <p:sp>
-        <p:nvSpPr>
-          <p:cNvPr id="4" name="Title 3"/>
-          <p:cNvSpPr>
-            <a:spLocks noGrp="1"/>
-          </p:cNvSpPr>
-          <p:nvPr>
-            <p:ph type="title"/>
-          </p:nvPr>
-        </p:nvSpPr>
-        <p:spPr/>
-        <p:txBody>
-          <a:bodyPr/>
-          <a:lstStyle/>
-          <a:p>
-            <a:r>
-              <a:rPr lang="en-US" dirty="0"/>
-              <a:t>Acknowledgements / Contributions</a:t>
-            </a:r>
-          </a:p>
-        </p:txBody>
-      </p:sp>
-      <p:sp>
-        <p:nvSpPr>
-          <p:cNvPr id="8" name="TextBox 4"/>
-          <p:cNvSpPr txBox="1">
-            <a:spLocks noChangeArrowheads="1"/>
-          </p:cNvSpPr>
-          <p:nvPr/>
-        </p:nvSpPr>
-        <p:spPr bwMode="auto">
-          <a:xfrm>
-            <a:off x="838200" y="1512888"/>
-            <a:ext cx="5257800" cy="4401205"/>
-          </a:xfrm>
-          <a:prstGeom prst="rect">
-            <a:avLst/>
-          </a:prstGeom>
-          <a:noFill/>
-          <a:ln>
-            <a:noFill/>
-          </a:ln>
-        </p:spPr>
-        <p:txBody>
-          <a:bodyPr wrap="square">
-            <a:spAutoFit/>
-          </a:bodyPr>
-          <a:lstStyle>
-            <a:lvl1pPr>
-              <a:defRPr sz="2000">
-                <a:solidFill>
-                  <a:srgbClr val="FFFFFF"/>
-                </a:solidFill>
-                <a:latin typeface="Gill Sans" charset="0"/>
-                <a:ea typeface="ヒラギノ角ゴ ProN W3" charset="-128"/>
-                <a:sym typeface="Gill Sans" charset="0"/>
-              </a:defRPr>
-            </a:lvl1pPr>
-            <a:lvl2pPr marL="742950" indent="-285750">
-              <a:defRPr sz="2000">
-                <a:solidFill>
-                  <a:srgbClr val="FFFFFF"/>
-                </a:solidFill>
-                <a:latin typeface="Gill Sans" charset="0"/>
-                <a:ea typeface="ヒラギノ角ゴ ProN W3" charset="-128"/>
-                <a:sym typeface="Gill Sans" charset="0"/>
-              </a:defRPr>
-            </a:lvl2pPr>
-            <a:lvl3pPr marL="1143000" indent="-228600">
-              <a:defRPr sz="2000">
-                <a:solidFill>
-                  <a:srgbClr val="FFFFFF"/>
-                </a:solidFill>
-                <a:latin typeface="Gill Sans" charset="0"/>
-                <a:ea typeface="ヒラギノ角ゴ ProN W3" charset="-128"/>
-                <a:sym typeface="Gill Sans" charset="0"/>
-              </a:defRPr>
-            </a:lvl3pPr>
-            <a:lvl4pPr marL="1600200" indent="-228600">
-              <a:defRPr sz="2000">
-                <a:solidFill>
-                  <a:srgbClr val="FFFFFF"/>
-                </a:solidFill>
-                <a:latin typeface="Gill Sans" charset="0"/>
-                <a:ea typeface="ヒラギノ角ゴ ProN W3" charset="-128"/>
-                <a:sym typeface="Gill Sans" charset="0"/>
-              </a:defRPr>
-            </a:lvl4pPr>
-            <a:lvl5pPr marL="2057400" indent="-228600">
-              <a:defRPr sz="2000">
-                <a:solidFill>
-                  <a:srgbClr val="FFFFFF"/>
-                </a:solidFill>
-                <a:latin typeface="Gill Sans" charset="0"/>
-                <a:ea typeface="ヒラギノ角ゴ ProN W3" charset="-128"/>
-                <a:sym typeface="Gill Sans" charset="0"/>
-              </a:defRPr>
-            </a:lvl5pPr>
-            <a:lvl6pPr marL="2514600" indent="-228600" eaLnBrk="0" fontAlgn="base" hangingPunct="0">
-              <a:spcBef>
-                <a:spcPct val="0"/>
-              </a:spcBef>
-              <a:spcAft>
-                <a:spcPct val="0"/>
-              </a:spcAft>
-              <a:defRPr sz="2000">
-                <a:solidFill>
-                  <a:srgbClr val="FFFFFF"/>
-                </a:solidFill>
-                <a:latin typeface="Gill Sans" charset="0"/>
-                <a:ea typeface="ヒラギノ角ゴ ProN W3" charset="-128"/>
-                <a:sym typeface="Gill Sans" charset="0"/>
-              </a:defRPr>
-            </a:lvl6pPr>
-            <a:lvl7pPr marL="2971800" indent="-228600" eaLnBrk="0" fontAlgn="base" hangingPunct="0">
-              <a:spcBef>
-                <a:spcPct val="0"/>
-              </a:spcBef>
-              <a:spcAft>
-                <a:spcPct val="0"/>
-              </a:spcAft>
-              <a:defRPr sz="2000">
-                <a:solidFill>
-                  <a:srgbClr val="FFFFFF"/>
-                </a:solidFill>
-                <a:latin typeface="Gill Sans" charset="0"/>
-                <a:ea typeface="ヒラギノ角ゴ ProN W3" charset="-128"/>
-                <a:sym typeface="Gill Sans" charset="0"/>
-              </a:defRPr>
-            </a:lvl7pPr>
-            <a:lvl8pPr marL="3429000" indent="-228600" eaLnBrk="0" fontAlgn="base" hangingPunct="0">
-              <a:spcBef>
-                <a:spcPct val="0"/>
-              </a:spcBef>
-              <a:spcAft>
-                <a:spcPct val="0"/>
-              </a:spcAft>
-              <a:defRPr sz="2000">
-                <a:solidFill>
-                  <a:srgbClr val="FFFFFF"/>
-                </a:solidFill>
-                <a:latin typeface="Gill Sans" charset="0"/>
-                <a:ea typeface="ヒラギノ角ゴ ProN W3" charset="-128"/>
-                <a:sym typeface="Gill Sans" charset="0"/>
-              </a:defRPr>
-            </a:lvl8pPr>
-            <a:lvl9pPr marL="3886200" indent="-228600" eaLnBrk="0" fontAlgn="base" hangingPunct="0">
-              <a:spcBef>
-                <a:spcPct val="0"/>
-              </a:spcBef>
-              <a:spcAft>
-                <a:spcPct val="0"/>
-              </a:spcAft>
-              <a:defRPr sz="2000">
-                <a:solidFill>
-                  <a:srgbClr val="FFFFFF"/>
-                </a:solidFill>
-                <a:latin typeface="Gill Sans" charset="0"/>
-                <a:ea typeface="ヒラギノ角ゴ ProN W3" charset="-128"/>
-                <a:sym typeface="Gill Sans" charset="0"/>
-              </a:defRPr>
-            </a:lvl9pPr>
-          </a:lstStyle>
-          <a:p>
-            <a:pPr eaLnBrk="1" hangingPunct="1"/>
-            <a:r>
-              <a:rPr lang="en-US" altLang="x-none" sz="1400" dirty="0">
-                <a:solidFill>
-                  <a:schemeClr val="tx1"/>
-                </a:solidFill>
-              </a:rPr>
-              <a:t>These slides are Copyright 2019-  Charles R. Severance (</a:t>
-            </a:r>
-            <a:r>
-              <a:rPr lang="en-US" altLang="x-none" sz="1400" dirty="0" err="1">
-                <a:solidFill>
-                  <a:schemeClr val="tx1"/>
-                </a:solidFill>
-              </a:rPr>
-              <a:t>www.dr-chuck.com</a:t>
-            </a:r>
-            <a:r>
-              <a:rPr lang="en-US" altLang="x-none" sz="1400" dirty="0">
-                <a:solidFill>
-                  <a:schemeClr val="tx1"/>
-                </a:solidFill>
-              </a:rPr>
-              <a:t>) as part of www.dj4e.com and made available under a Creative Commons Attribution 4.0 License.  Please maintain this last slide in all copies of the document to comply with the attribution requirements of the license.  If you make a change, feel free to add your name and organization to the list of contributors on this page as you republish the materials.</a:t>
-            </a:r>
-          </a:p>
-          <a:p>
-            <a:pPr eaLnBrk="1" hangingPunct="1"/>
-            <a:endParaRPr lang="en-US" altLang="x-none" sz="1400" dirty="0">
-              <a:solidFill>
-                <a:schemeClr val="tx1"/>
-              </a:solidFill>
-            </a:endParaRPr>
-          </a:p>
-          <a:p>
-            <a:pPr eaLnBrk="1" hangingPunct="1"/>
-            <a:r>
-              <a:rPr lang="en-US" altLang="x-none" sz="1400" dirty="0">
-                <a:solidFill>
-                  <a:schemeClr val="tx1"/>
-                </a:solidFill>
-              </a:rPr>
-              <a:t>Initial Development: Charles Severance, University of Michigan School of Information</a:t>
-            </a:r>
-          </a:p>
-          <a:p>
-            <a:pPr eaLnBrk="1" hangingPunct="1"/>
-            <a:endParaRPr lang="en-US" altLang="x-none" sz="1400" dirty="0">
-              <a:solidFill>
-                <a:schemeClr val="tx1"/>
-              </a:solidFill>
-            </a:endParaRPr>
-          </a:p>
-          <a:p>
-            <a:pPr eaLnBrk="1" hangingPunct="1"/>
-            <a:r>
-              <a:rPr lang="en-US" altLang="x-none" sz="1400" dirty="0">
-                <a:solidFill>
-                  <a:srgbClr val="FFCC66"/>
-                </a:solidFill>
-              </a:rPr>
-              <a:t>Insert new Contributors and Translators here including names and dates</a:t>
-            </a:r>
-          </a:p>
-          <a:p>
-            <a:pPr eaLnBrk="1" hangingPunct="1"/>
-            <a:endParaRPr lang="en-US" altLang="x-none" sz="1400" dirty="0">
-              <a:solidFill>
-                <a:srgbClr val="7575D1"/>
-              </a:solidFill>
-            </a:endParaRPr>
-          </a:p>
-          <a:p>
-            <a:pPr eaLnBrk="1" hangingPunct="1"/>
-            <a:endParaRPr lang="en-US" altLang="x-none" sz="1400" dirty="0">
-              <a:solidFill>
-                <a:srgbClr val="7575D1"/>
-              </a:solidFill>
-            </a:endParaRPr>
-          </a:p>
-          <a:p>
-            <a:pPr eaLnBrk="1" hangingPunct="1"/>
-            <a:endParaRPr lang="en-US" altLang="x-none" sz="1400" dirty="0">
-              <a:solidFill>
-                <a:srgbClr val="7575D1"/>
-              </a:solidFill>
-            </a:endParaRPr>
-          </a:p>
-          <a:p>
-            <a:pPr eaLnBrk="1" hangingPunct="1"/>
-            <a:endParaRPr lang="en-US" altLang="x-none" sz="1400" dirty="0">
-              <a:solidFill>
-                <a:srgbClr val="7575D1"/>
-              </a:solidFill>
-            </a:endParaRPr>
-          </a:p>
-          <a:p>
-            <a:pPr eaLnBrk="1" hangingPunct="1"/>
-            <a:endParaRPr lang="en-US" altLang="x-none" sz="1400" dirty="0">
-              <a:solidFill>
-                <a:srgbClr val="7575D1"/>
-              </a:solidFill>
-            </a:endParaRPr>
-          </a:p>
-          <a:p>
-            <a:pPr eaLnBrk="1" hangingPunct="1"/>
-            <a:endParaRPr lang="en-US" altLang="x-none" sz="1400" dirty="0">
-              <a:solidFill>
-                <a:srgbClr val="7575D1"/>
-              </a:solidFill>
-            </a:endParaRPr>
-          </a:p>
-          <a:p>
-            <a:pPr eaLnBrk="1" hangingPunct="1"/>
-            <a:endParaRPr lang="en-US" altLang="x-none" sz="1400" dirty="0">
-              <a:solidFill>
-                <a:srgbClr val="7575D1"/>
-              </a:solidFill>
-            </a:endParaRPr>
-          </a:p>
-        </p:txBody>
-      </p:sp>
-      <p:sp>
-        <p:nvSpPr>
-          <p:cNvPr id="9" name="TextBox 5"/>
-          <p:cNvSpPr txBox="1">
-            <a:spLocks noChangeArrowheads="1"/>
-          </p:cNvSpPr>
-          <p:nvPr/>
-        </p:nvSpPr>
-        <p:spPr bwMode="auto">
-          <a:xfrm>
-            <a:off x="6310312" y="1512888"/>
-            <a:ext cx="5257800" cy="4893647"/>
-          </a:xfrm>
-          <a:prstGeom prst="rect">
-            <a:avLst/>
-          </a:prstGeom>
-          <a:noFill/>
-          <a:ln>
-            <a:noFill/>
-          </a:ln>
-        </p:spPr>
-        <p:txBody>
-          <a:bodyPr wrap="square">
-            <a:spAutoFit/>
-          </a:bodyPr>
-          <a:lstStyle>
-            <a:lvl1pPr>
-              <a:defRPr sz="2000">
-                <a:solidFill>
-                  <a:srgbClr val="FFFFFF"/>
-                </a:solidFill>
-                <a:latin typeface="Gill Sans" charset="0"/>
-                <a:ea typeface="ヒラギノ角ゴ ProN W3" charset="-128"/>
-                <a:sym typeface="Gill Sans" charset="0"/>
-              </a:defRPr>
-            </a:lvl1pPr>
-            <a:lvl2pPr marL="742950" indent="-285750">
-              <a:defRPr sz="2000">
-                <a:solidFill>
-                  <a:srgbClr val="FFFFFF"/>
-                </a:solidFill>
-                <a:latin typeface="Gill Sans" charset="0"/>
-                <a:ea typeface="ヒラギノ角ゴ ProN W3" charset="-128"/>
-                <a:sym typeface="Gill Sans" charset="0"/>
-              </a:defRPr>
-            </a:lvl2pPr>
-            <a:lvl3pPr marL="1143000" indent="-228600">
-              <a:defRPr sz="2000">
-                <a:solidFill>
-                  <a:srgbClr val="FFFFFF"/>
-                </a:solidFill>
-                <a:latin typeface="Gill Sans" charset="0"/>
-                <a:ea typeface="ヒラギノ角ゴ ProN W3" charset="-128"/>
-                <a:sym typeface="Gill Sans" charset="0"/>
-              </a:defRPr>
-            </a:lvl3pPr>
-            <a:lvl4pPr marL="1600200" indent="-228600">
-              <a:defRPr sz="2000">
-                <a:solidFill>
-                  <a:srgbClr val="FFFFFF"/>
-                </a:solidFill>
-                <a:latin typeface="Gill Sans" charset="0"/>
-                <a:ea typeface="ヒラギノ角ゴ ProN W3" charset="-128"/>
-                <a:sym typeface="Gill Sans" charset="0"/>
-              </a:defRPr>
-            </a:lvl4pPr>
-            <a:lvl5pPr marL="2057400" indent="-228600">
-              <a:defRPr sz="2000">
-                <a:solidFill>
-                  <a:srgbClr val="FFFFFF"/>
-                </a:solidFill>
-                <a:latin typeface="Gill Sans" charset="0"/>
-                <a:ea typeface="ヒラギノ角ゴ ProN W3" charset="-128"/>
-                <a:sym typeface="Gill Sans" charset="0"/>
-              </a:defRPr>
-            </a:lvl5pPr>
-            <a:lvl6pPr marL="2514600" indent="-228600" eaLnBrk="0" fontAlgn="base" hangingPunct="0">
-              <a:spcBef>
-                <a:spcPct val="0"/>
-              </a:spcBef>
-              <a:spcAft>
-                <a:spcPct val="0"/>
-              </a:spcAft>
-              <a:defRPr sz="2000">
-                <a:solidFill>
-                  <a:srgbClr val="FFFFFF"/>
-                </a:solidFill>
-                <a:latin typeface="Gill Sans" charset="0"/>
-                <a:ea typeface="ヒラギノ角ゴ ProN W3" charset="-128"/>
-                <a:sym typeface="Gill Sans" charset="0"/>
-              </a:defRPr>
-            </a:lvl6pPr>
-            <a:lvl7pPr marL="2971800" indent="-228600" eaLnBrk="0" fontAlgn="base" hangingPunct="0">
-              <a:spcBef>
-                <a:spcPct val="0"/>
-              </a:spcBef>
-              <a:spcAft>
-                <a:spcPct val="0"/>
-              </a:spcAft>
-              <a:defRPr sz="2000">
-                <a:solidFill>
-                  <a:srgbClr val="FFFFFF"/>
-                </a:solidFill>
-                <a:latin typeface="Gill Sans" charset="0"/>
-                <a:ea typeface="ヒラギノ角ゴ ProN W3" charset="-128"/>
-                <a:sym typeface="Gill Sans" charset="0"/>
-              </a:defRPr>
-            </a:lvl7pPr>
-            <a:lvl8pPr marL="3429000" indent="-228600" eaLnBrk="0" fontAlgn="base" hangingPunct="0">
-              <a:spcBef>
-                <a:spcPct val="0"/>
-              </a:spcBef>
-              <a:spcAft>
-                <a:spcPct val="0"/>
-              </a:spcAft>
-              <a:defRPr sz="2000">
-                <a:solidFill>
-                  <a:srgbClr val="FFFFFF"/>
-                </a:solidFill>
-                <a:latin typeface="Gill Sans" charset="0"/>
-                <a:ea typeface="ヒラギノ角ゴ ProN W3" charset="-128"/>
-                <a:sym typeface="Gill Sans" charset="0"/>
-              </a:defRPr>
-            </a:lvl8pPr>
-            <a:lvl9pPr marL="3886200" indent="-228600" eaLnBrk="0" fontAlgn="base" hangingPunct="0">
-              <a:spcBef>
-                <a:spcPct val="0"/>
-              </a:spcBef>
-              <a:spcAft>
-                <a:spcPct val="0"/>
-              </a:spcAft>
-              <a:defRPr sz="2000">
-                <a:solidFill>
-                  <a:srgbClr val="FFFFFF"/>
-                </a:solidFill>
-                <a:latin typeface="Gill Sans" charset="0"/>
-                <a:ea typeface="ヒラギノ角ゴ ProN W3" charset="-128"/>
-                <a:sym typeface="Gill Sans" charset="0"/>
-              </a:defRPr>
-            </a:lvl9pPr>
-          </a:lstStyle>
-          <a:p>
-            <a:pPr algn="ctr" eaLnBrk="1" hangingPunct="1"/>
-            <a:r>
-              <a:rPr lang="en-US" altLang="x-none" sz="1200" dirty="0">
-                <a:solidFill>
-                  <a:srgbClr val="FFCC66"/>
-                </a:solidFill>
-                <a:latin typeface="Helvetica" charset="0"/>
-                <a:ea typeface="ＭＳ Ｐゴシック" charset="-128"/>
-                <a:sym typeface="Helvetica" charset="0"/>
-              </a:rPr>
-              <a:t>Continue new Contributors and Translators here</a:t>
-            </a:r>
-          </a:p>
-          <a:p>
-            <a:pPr algn="ctr" eaLnBrk="1" hangingPunct="1"/>
-            <a:endParaRPr lang="en-US" altLang="x-none" sz="1200" dirty="0">
-              <a:solidFill>
-                <a:schemeClr val="tx1"/>
-              </a:solidFill>
-              <a:latin typeface="Helvetica" charset="0"/>
-              <a:ea typeface="ＭＳ Ｐゴシック" charset="-128"/>
-              <a:sym typeface="Helvetica" charset="0"/>
-            </a:endParaRPr>
-          </a:p>
-          <a:p>
-            <a:pPr algn="ctr" eaLnBrk="1" hangingPunct="1"/>
-            <a:endParaRPr lang="en-US" altLang="x-none" sz="1200" dirty="0">
-              <a:solidFill>
-                <a:schemeClr val="tx1"/>
-              </a:solidFill>
-              <a:latin typeface="Helvetica" charset="0"/>
-              <a:ea typeface="ＭＳ Ｐゴシック" charset="-128"/>
-              <a:sym typeface="Helvetica" charset="0"/>
-            </a:endParaRPr>
-          </a:p>
-          <a:p>
-            <a:pPr algn="ctr" eaLnBrk="1" hangingPunct="1"/>
-            <a:endParaRPr lang="en-US" altLang="x-none" sz="1200" dirty="0">
-              <a:solidFill>
-                <a:schemeClr val="tx1"/>
-              </a:solidFill>
-              <a:latin typeface="Helvetica" charset="0"/>
-              <a:ea typeface="ＭＳ Ｐゴシック" charset="-128"/>
-              <a:sym typeface="Helvetica" charset="0"/>
-            </a:endParaRPr>
-          </a:p>
-          <a:p>
-            <a:pPr algn="ctr" eaLnBrk="1" hangingPunct="1"/>
-            <a:endParaRPr lang="en-US" altLang="x-none" sz="1200" dirty="0">
-              <a:solidFill>
-                <a:schemeClr val="tx1"/>
-              </a:solidFill>
-              <a:latin typeface="Helvetica" charset="0"/>
-              <a:ea typeface="ＭＳ Ｐゴシック" charset="-128"/>
-              <a:sym typeface="Helvetica" charset="0"/>
-            </a:endParaRPr>
-          </a:p>
-          <a:p>
-            <a:pPr algn="ctr" eaLnBrk="1" hangingPunct="1"/>
-            <a:endParaRPr lang="en-US" altLang="x-none" sz="1200" dirty="0">
-              <a:solidFill>
-                <a:schemeClr val="tx1"/>
-              </a:solidFill>
-              <a:latin typeface="Helvetica" charset="0"/>
-              <a:ea typeface="ＭＳ Ｐゴシック" charset="-128"/>
-              <a:sym typeface="Helvetica" charset="0"/>
-            </a:endParaRPr>
-          </a:p>
-          <a:p>
-            <a:pPr algn="ctr" eaLnBrk="1" hangingPunct="1"/>
-            <a:endParaRPr lang="en-US" altLang="x-none" sz="1200" dirty="0">
-              <a:solidFill>
-                <a:schemeClr val="tx1"/>
-              </a:solidFill>
-              <a:latin typeface="Helvetica" charset="0"/>
-              <a:ea typeface="ＭＳ Ｐゴシック" charset="-128"/>
-              <a:sym typeface="Helvetica" charset="0"/>
-            </a:endParaRPr>
-          </a:p>
-          <a:p>
-            <a:pPr algn="ctr" eaLnBrk="1" hangingPunct="1"/>
-            <a:endParaRPr lang="en-US" altLang="x-none" sz="1200" dirty="0">
-              <a:solidFill>
-                <a:schemeClr val="tx1"/>
-              </a:solidFill>
-              <a:latin typeface="Helvetica" charset="0"/>
-              <a:ea typeface="ＭＳ Ｐゴシック" charset="-128"/>
-              <a:sym typeface="Helvetica" charset="0"/>
-            </a:endParaRPr>
-          </a:p>
-          <a:p>
-            <a:pPr algn="ctr" eaLnBrk="1" hangingPunct="1"/>
-            <a:endParaRPr lang="en-US" altLang="x-none" sz="1200" dirty="0">
-              <a:solidFill>
-                <a:schemeClr val="tx1"/>
-              </a:solidFill>
-              <a:latin typeface="Helvetica" charset="0"/>
-              <a:ea typeface="ＭＳ Ｐゴシック" charset="-128"/>
-              <a:sym typeface="Helvetica" charset="0"/>
-            </a:endParaRPr>
-          </a:p>
-          <a:p>
-            <a:pPr algn="ctr" eaLnBrk="1" hangingPunct="1"/>
-            <a:endParaRPr lang="en-US" altLang="x-none" sz="1200" dirty="0">
-              <a:solidFill>
-                <a:schemeClr val="tx1"/>
-              </a:solidFill>
-              <a:latin typeface="Helvetica" charset="0"/>
-              <a:ea typeface="ＭＳ Ｐゴシック" charset="-128"/>
-              <a:sym typeface="Helvetica" charset="0"/>
-            </a:endParaRPr>
-          </a:p>
-          <a:p>
-            <a:pPr algn="ctr" eaLnBrk="1" hangingPunct="1"/>
-            <a:endParaRPr lang="en-US" altLang="x-none" sz="1200" dirty="0">
-              <a:solidFill>
-                <a:schemeClr val="tx1"/>
-              </a:solidFill>
-              <a:latin typeface="Helvetica" charset="0"/>
-              <a:ea typeface="ＭＳ Ｐゴシック" charset="-128"/>
-              <a:sym typeface="Helvetica" charset="0"/>
-            </a:endParaRPr>
-          </a:p>
-          <a:p>
-            <a:pPr algn="ctr" eaLnBrk="1" hangingPunct="1"/>
-            <a:endParaRPr lang="en-US" altLang="x-none" sz="1200" dirty="0">
-              <a:solidFill>
-                <a:schemeClr val="tx1"/>
-              </a:solidFill>
-              <a:latin typeface="Helvetica" charset="0"/>
-              <a:ea typeface="ＭＳ Ｐゴシック" charset="-128"/>
-              <a:sym typeface="Helvetica" charset="0"/>
-            </a:endParaRPr>
-          </a:p>
-          <a:p>
-            <a:pPr algn="ctr" eaLnBrk="1" hangingPunct="1"/>
-            <a:endParaRPr lang="en-US" altLang="x-none" sz="1200" dirty="0">
-              <a:solidFill>
-                <a:schemeClr val="tx1"/>
-              </a:solidFill>
-              <a:latin typeface="Helvetica" charset="0"/>
-              <a:ea typeface="ＭＳ Ｐゴシック" charset="-128"/>
-              <a:sym typeface="Helvetica" charset="0"/>
-            </a:endParaRPr>
-          </a:p>
-          <a:p>
-            <a:pPr algn="ctr" eaLnBrk="1" hangingPunct="1"/>
-            <a:endParaRPr lang="en-US" altLang="x-none" sz="1200" dirty="0">
-              <a:solidFill>
-                <a:schemeClr val="tx1"/>
-              </a:solidFill>
-              <a:latin typeface="Helvetica" charset="0"/>
-              <a:ea typeface="ＭＳ Ｐゴシック" charset="-128"/>
-              <a:sym typeface="Helvetica" charset="0"/>
-            </a:endParaRPr>
-          </a:p>
-          <a:p>
-            <a:pPr algn="ctr" eaLnBrk="1" hangingPunct="1"/>
-            <a:endParaRPr lang="en-US" altLang="x-none" sz="1200" dirty="0">
-              <a:solidFill>
-                <a:schemeClr val="tx1"/>
-              </a:solidFill>
-              <a:latin typeface="Helvetica" charset="0"/>
-              <a:ea typeface="ＭＳ Ｐゴシック" charset="-128"/>
-              <a:sym typeface="Helvetica" charset="0"/>
-            </a:endParaRPr>
-          </a:p>
-          <a:p>
-            <a:pPr algn="ctr" eaLnBrk="1" hangingPunct="1"/>
-            <a:endParaRPr lang="en-US" altLang="x-none" sz="1200" dirty="0">
-              <a:solidFill>
-                <a:schemeClr val="tx1"/>
-              </a:solidFill>
-              <a:latin typeface="Helvetica" charset="0"/>
-              <a:ea typeface="ＭＳ Ｐゴシック" charset="-128"/>
-              <a:sym typeface="Helvetica" charset="0"/>
-            </a:endParaRPr>
-          </a:p>
-          <a:p>
-            <a:pPr algn="ctr" eaLnBrk="1" hangingPunct="1"/>
-            <a:endParaRPr lang="en-US" altLang="x-none" sz="1200" dirty="0">
-              <a:solidFill>
-                <a:schemeClr val="tx1"/>
-              </a:solidFill>
-              <a:latin typeface="Helvetica" charset="0"/>
-              <a:ea typeface="ＭＳ Ｐゴシック" charset="-128"/>
-              <a:sym typeface="Helvetica" charset="0"/>
-            </a:endParaRPr>
-          </a:p>
-          <a:p>
-            <a:pPr algn="ctr" eaLnBrk="1" hangingPunct="1"/>
-            <a:endParaRPr lang="en-US" altLang="x-none" sz="1200" dirty="0">
-              <a:solidFill>
-                <a:schemeClr val="tx1"/>
-              </a:solidFill>
-              <a:latin typeface="Helvetica" charset="0"/>
-              <a:ea typeface="ＭＳ Ｐゴシック" charset="-128"/>
-              <a:sym typeface="Helvetica" charset="0"/>
-            </a:endParaRPr>
-          </a:p>
-          <a:p>
-            <a:pPr algn="ctr" eaLnBrk="1" hangingPunct="1"/>
-            <a:endParaRPr lang="en-US" altLang="x-none" sz="1200" dirty="0">
-              <a:solidFill>
-                <a:schemeClr val="tx1"/>
-              </a:solidFill>
-              <a:latin typeface="Helvetica" charset="0"/>
-              <a:ea typeface="ＭＳ Ｐゴシック" charset="-128"/>
-              <a:sym typeface="Helvetica" charset="0"/>
-            </a:endParaRPr>
-          </a:p>
-          <a:p>
-            <a:pPr algn="ctr" eaLnBrk="1" hangingPunct="1"/>
-            <a:endParaRPr lang="en-US" altLang="x-none" sz="1200" dirty="0" smtClean="0">
-              <a:solidFill>
-                <a:schemeClr val="tx1"/>
-              </a:solidFill>
-              <a:latin typeface="Helvetica" charset="0"/>
-              <a:ea typeface="ＭＳ Ｐゴシック" charset="-128"/>
-              <a:sym typeface="Helvetica" charset="0"/>
-            </a:endParaRPr>
-          </a:p>
-          <a:p>
-            <a:pPr algn="ctr" eaLnBrk="1" hangingPunct="1"/>
-            <a:endParaRPr lang="en-US" altLang="x-none" sz="1200" dirty="0">
-              <a:solidFill>
-                <a:schemeClr val="tx1"/>
-              </a:solidFill>
-              <a:latin typeface="Helvetica" charset="0"/>
-              <a:ea typeface="ＭＳ Ｐゴシック" charset="-128"/>
-              <a:sym typeface="Helvetica" charset="0"/>
-            </a:endParaRPr>
-          </a:p>
-          <a:p>
-            <a:pPr algn="ctr" eaLnBrk="1" hangingPunct="1"/>
-            <a:endParaRPr lang="en-US" altLang="x-none" sz="1200" dirty="0" smtClean="0">
-              <a:solidFill>
-                <a:schemeClr val="tx1"/>
-              </a:solidFill>
-              <a:latin typeface="Helvetica" charset="0"/>
-              <a:ea typeface="ＭＳ Ｐゴシック" charset="-128"/>
-              <a:sym typeface="Helvetica" charset="0"/>
-            </a:endParaRPr>
-          </a:p>
-          <a:p>
-            <a:pPr algn="ctr" eaLnBrk="1" hangingPunct="1"/>
-            <a:endParaRPr lang="en-US" altLang="x-none" sz="1200" dirty="0">
-              <a:solidFill>
-                <a:schemeClr val="tx1"/>
-              </a:solidFill>
-              <a:latin typeface="Helvetica" charset="0"/>
-              <a:ea typeface="ＭＳ Ｐゴシック" charset="-128"/>
-              <a:sym typeface="Helvetica" charset="0"/>
-            </a:endParaRPr>
-          </a:p>
-          <a:p>
-            <a:pPr algn="ctr" eaLnBrk="1" hangingPunct="1"/>
-            <a:endParaRPr lang="en-US" altLang="x-none" sz="1200" dirty="0" smtClean="0">
-              <a:solidFill>
-                <a:schemeClr val="tx1"/>
-              </a:solidFill>
-              <a:latin typeface="Helvetica" charset="0"/>
-              <a:ea typeface="ＭＳ Ｐゴシック" charset="-128"/>
-              <a:sym typeface="Helvetica" charset="0"/>
-            </a:endParaRPr>
-          </a:p>
-          <a:p>
-            <a:pPr algn="ctr" eaLnBrk="1" hangingPunct="1"/>
-            <a:endParaRPr lang="en-US" altLang="x-none" sz="1200" dirty="0">
-              <a:solidFill>
-                <a:schemeClr val="tx1"/>
-              </a:solidFill>
-              <a:latin typeface="Helvetica" charset="0"/>
-              <a:ea typeface="ＭＳ Ｐゴシック" charset="-128"/>
-              <a:sym typeface="Helvetica" charset="0"/>
-            </a:endParaRPr>
-          </a:p>
-          <a:p>
-            <a:pPr algn="ctr" eaLnBrk="1" hangingPunct="1"/>
-            <a:endParaRPr lang="en-US" altLang="x-none" sz="1200" dirty="0">
-              <a:solidFill>
-                <a:schemeClr val="tx1"/>
-              </a:solidFill>
-              <a:latin typeface="Helvetica" charset="0"/>
-              <a:ea typeface="ＭＳ Ｐゴシック" charset="-128"/>
-              <a:sym typeface="Helvetica" charset="0"/>
-            </a:endParaRPr>
-          </a:p>
-        </p:txBody>
-      </p:sp>
-    </p:spTree>
-    <p:extLst>
-      <p:ext uri="{BB962C8B-B14F-4D97-AF65-F5344CB8AC3E}">
-        <p14:creationId xmlns:p14="http://schemas.microsoft.com/office/powerpoint/2010/main" val="1048975579"/>
-      </p:ext>
-    </p:extLst>
-  </p:cSld>
-  <p:clrMapOvr>
-    <a:masterClrMapping/>
-  </p:clrMapOvr>
   <p:timing>
     <p:tnLst>
       <p:par>
@@ -36671,6 +36355,879 @@
       </p:par>
     </p:tnLst>
   </p:timing>
+</p:sld>
+</file>
+
+<file path=ppt/slides/slide60.xml><?xml version="1.0" encoding="utf-8"?>
+<p:sld xmlns:a="http://schemas.openxmlformats.org/drawingml/2006/main" xmlns:r="http://schemas.openxmlformats.org/officeDocument/2006/relationships" xmlns:p="http://schemas.openxmlformats.org/presentationml/2006/main">
+  <p:cSld>
+    <p:spTree>
+      <p:nvGrpSpPr>
+        <p:cNvPr id="1" name=""/>
+        <p:cNvGrpSpPr/>
+        <p:nvPr/>
+      </p:nvGrpSpPr>
+      <p:grpSpPr>
+        <a:xfrm>
+          <a:off x="0" y="0"/>
+          <a:ext cx="0" cy="0"/>
+          <a:chOff x="0" y="0"/>
+          <a:chExt cx="0" cy="0"/>
+        </a:xfrm>
+      </p:grpSpPr>
+      <p:sp>
+        <p:nvSpPr>
+          <p:cNvPr id="4" name="Title 3"/>
+          <p:cNvSpPr>
+            <a:spLocks noGrp="1"/>
+          </p:cNvSpPr>
+          <p:nvPr>
+            <p:ph type="title"/>
+          </p:nvPr>
+        </p:nvSpPr>
+        <p:spPr/>
+        <p:txBody>
+          <a:bodyPr/>
+          <a:lstStyle/>
+          <a:p>
+            <a:r>
+              <a:rPr lang="en-US" dirty="0"/>
+              <a:t>Acknowledgements / Contributions</a:t>
+            </a:r>
+          </a:p>
+        </p:txBody>
+      </p:sp>
+      <p:sp>
+        <p:nvSpPr>
+          <p:cNvPr id="8" name="TextBox 4"/>
+          <p:cNvSpPr txBox="1">
+            <a:spLocks noChangeArrowheads="1"/>
+          </p:cNvSpPr>
+          <p:nvPr/>
+        </p:nvSpPr>
+        <p:spPr bwMode="auto">
+          <a:xfrm>
+            <a:off x="838200" y="1512888"/>
+            <a:ext cx="5257800" cy="4401205"/>
+          </a:xfrm>
+          <a:prstGeom prst="rect">
+            <a:avLst/>
+          </a:prstGeom>
+          <a:noFill/>
+          <a:ln>
+            <a:noFill/>
+          </a:ln>
+        </p:spPr>
+        <p:txBody>
+          <a:bodyPr wrap="square">
+            <a:spAutoFit/>
+          </a:bodyPr>
+          <a:lstStyle>
+            <a:lvl1pPr>
+              <a:defRPr sz="2000">
+                <a:solidFill>
+                  <a:srgbClr val="FFFFFF"/>
+                </a:solidFill>
+                <a:latin typeface="Gill Sans" charset="0"/>
+                <a:ea typeface="ヒラギノ角ゴ ProN W3" charset="-128"/>
+                <a:sym typeface="Gill Sans" charset="0"/>
+              </a:defRPr>
+            </a:lvl1pPr>
+            <a:lvl2pPr marL="742950" indent="-285750">
+              <a:defRPr sz="2000">
+                <a:solidFill>
+                  <a:srgbClr val="FFFFFF"/>
+                </a:solidFill>
+                <a:latin typeface="Gill Sans" charset="0"/>
+                <a:ea typeface="ヒラギノ角ゴ ProN W3" charset="-128"/>
+                <a:sym typeface="Gill Sans" charset="0"/>
+              </a:defRPr>
+            </a:lvl2pPr>
+            <a:lvl3pPr marL="1143000" indent="-228600">
+              <a:defRPr sz="2000">
+                <a:solidFill>
+                  <a:srgbClr val="FFFFFF"/>
+                </a:solidFill>
+                <a:latin typeface="Gill Sans" charset="0"/>
+                <a:ea typeface="ヒラギノ角ゴ ProN W3" charset="-128"/>
+                <a:sym typeface="Gill Sans" charset="0"/>
+              </a:defRPr>
+            </a:lvl3pPr>
+            <a:lvl4pPr marL="1600200" indent="-228600">
+              <a:defRPr sz="2000">
+                <a:solidFill>
+                  <a:srgbClr val="FFFFFF"/>
+                </a:solidFill>
+                <a:latin typeface="Gill Sans" charset="0"/>
+                <a:ea typeface="ヒラギノ角ゴ ProN W3" charset="-128"/>
+                <a:sym typeface="Gill Sans" charset="0"/>
+              </a:defRPr>
+            </a:lvl4pPr>
+            <a:lvl5pPr marL="2057400" indent="-228600">
+              <a:defRPr sz="2000">
+                <a:solidFill>
+                  <a:srgbClr val="FFFFFF"/>
+                </a:solidFill>
+                <a:latin typeface="Gill Sans" charset="0"/>
+                <a:ea typeface="ヒラギノ角ゴ ProN W3" charset="-128"/>
+                <a:sym typeface="Gill Sans" charset="0"/>
+              </a:defRPr>
+            </a:lvl5pPr>
+            <a:lvl6pPr marL="2514600" indent="-228600" eaLnBrk="0" fontAlgn="base" hangingPunct="0">
+              <a:spcBef>
+                <a:spcPct val="0"/>
+              </a:spcBef>
+              <a:spcAft>
+                <a:spcPct val="0"/>
+              </a:spcAft>
+              <a:defRPr sz="2000">
+                <a:solidFill>
+                  <a:srgbClr val="FFFFFF"/>
+                </a:solidFill>
+                <a:latin typeface="Gill Sans" charset="0"/>
+                <a:ea typeface="ヒラギノ角ゴ ProN W3" charset="-128"/>
+                <a:sym typeface="Gill Sans" charset="0"/>
+              </a:defRPr>
+            </a:lvl6pPr>
+            <a:lvl7pPr marL="2971800" indent="-228600" eaLnBrk="0" fontAlgn="base" hangingPunct="0">
+              <a:spcBef>
+                <a:spcPct val="0"/>
+              </a:spcBef>
+              <a:spcAft>
+                <a:spcPct val="0"/>
+              </a:spcAft>
+              <a:defRPr sz="2000">
+                <a:solidFill>
+                  <a:srgbClr val="FFFFFF"/>
+                </a:solidFill>
+                <a:latin typeface="Gill Sans" charset="0"/>
+                <a:ea typeface="ヒラギノ角ゴ ProN W3" charset="-128"/>
+                <a:sym typeface="Gill Sans" charset="0"/>
+              </a:defRPr>
+            </a:lvl7pPr>
+            <a:lvl8pPr marL="3429000" indent="-228600" eaLnBrk="0" fontAlgn="base" hangingPunct="0">
+              <a:spcBef>
+                <a:spcPct val="0"/>
+              </a:spcBef>
+              <a:spcAft>
+                <a:spcPct val="0"/>
+              </a:spcAft>
+              <a:defRPr sz="2000">
+                <a:solidFill>
+                  <a:srgbClr val="FFFFFF"/>
+                </a:solidFill>
+                <a:latin typeface="Gill Sans" charset="0"/>
+                <a:ea typeface="ヒラギノ角ゴ ProN W3" charset="-128"/>
+                <a:sym typeface="Gill Sans" charset="0"/>
+              </a:defRPr>
+            </a:lvl8pPr>
+            <a:lvl9pPr marL="3886200" indent="-228600" eaLnBrk="0" fontAlgn="base" hangingPunct="0">
+              <a:spcBef>
+                <a:spcPct val="0"/>
+              </a:spcBef>
+              <a:spcAft>
+                <a:spcPct val="0"/>
+              </a:spcAft>
+              <a:defRPr sz="2000">
+                <a:solidFill>
+                  <a:srgbClr val="FFFFFF"/>
+                </a:solidFill>
+                <a:latin typeface="Gill Sans" charset="0"/>
+                <a:ea typeface="ヒラギノ角ゴ ProN W3" charset="-128"/>
+                <a:sym typeface="Gill Sans" charset="0"/>
+              </a:defRPr>
+            </a:lvl9pPr>
+          </a:lstStyle>
+          <a:p>
+            <a:pPr eaLnBrk="1" hangingPunct="1"/>
+            <a:r>
+              <a:rPr lang="en-US" altLang="x-none" sz="1400" dirty="0">
+                <a:solidFill>
+                  <a:schemeClr val="tx1"/>
+                </a:solidFill>
+              </a:rPr>
+              <a:t>These slides are Copyright 2019-  Charles R. Severance (</a:t>
+            </a:r>
+            <a:r>
+              <a:rPr lang="en-US" altLang="x-none" sz="1400" dirty="0" err="1">
+                <a:solidFill>
+                  <a:schemeClr val="tx1"/>
+                </a:solidFill>
+              </a:rPr>
+              <a:t>www.dr-chuck.com</a:t>
+            </a:r>
+            <a:r>
+              <a:rPr lang="en-US" altLang="x-none" sz="1400" dirty="0">
+                <a:solidFill>
+                  <a:schemeClr val="tx1"/>
+                </a:solidFill>
+              </a:rPr>
+              <a:t>) as part of www.dj4e.com and made available under a Creative Commons Attribution 4.0 License.  Please maintain this last slide in all copies of the document to comply with the attribution requirements of the license.  If you make a change, feel free to add your name and organization to the list of contributors on this page as you republish the materials.</a:t>
+            </a:r>
+          </a:p>
+          <a:p>
+            <a:pPr eaLnBrk="1" hangingPunct="1"/>
+            <a:endParaRPr lang="en-US" altLang="x-none" sz="1400" dirty="0">
+              <a:solidFill>
+                <a:schemeClr val="tx1"/>
+              </a:solidFill>
+            </a:endParaRPr>
+          </a:p>
+          <a:p>
+            <a:pPr eaLnBrk="1" hangingPunct="1"/>
+            <a:r>
+              <a:rPr lang="en-US" altLang="x-none" sz="1400" dirty="0">
+                <a:solidFill>
+                  <a:schemeClr val="tx1"/>
+                </a:solidFill>
+              </a:rPr>
+              <a:t>Initial Development: Charles Severance, University of Michigan School of Information</a:t>
+            </a:r>
+          </a:p>
+          <a:p>
+            <a:pPr eaLnBrk="1" hangingPunct="1"/>
+            <a:endParaRPr lang="en-US" altLang="x-none" sz="1400" dirty="0">
+              <a:solidFill>
+                <a:schemeClr val="tx1"/>
+              </a:solidFill>
+            </a:endParaRPr>
+          </a:p>
+          <a:p>
+            <a:pPr eaLnBrk="1" hangingPunct="1"/>
+            <a:r>
+              <a:rPr lang="en-US" altLang="x-none" sz="1400" dirty="0">
+                <a:solidFill>
+                  <a:srgbClr val="FFCC66"/>
+                </a:solidFill>
+              </a:rPr>
+              <a:t>Insert new Contributors and Translators here including names and dates</a:t>
+            </a:r>
+          </a:p>
+          <a:p>
+            <a:pPr eaLnBrk="1" hangingPunct="1"/>
+            <a:endParaRPr lang="en-US" altLang="x-none" sz="1400" dirty="0">
+              <a:solidFill>
+                <a:srgbClr val="7575D1"/>
+              </a:solidFill>
+            </a:endParaRPr>
+          </a:p>
+          <a:p>
+            <a:pPr eaLnBrk="1" hangingPunct="1"/>
+            <a:endParaRPr lang="en-US" altLang="x-none" sz="1400" dirty="0">
+              <a:solidFill>
+                <a:srgbClr val="7575D1"/>
+              </a:solidFill>
+            </a:endParaRPr>
+          </a:p>
+          <a:p>
+            <a:pPr eaLnBrk="1" hangingPunct="1"/>
+            <a:endParaRPr lang="en-US" altLang="x-none" sz="1400" dirty="0">
+              <a:solidFill>
+                <a:srgbClr val="7575D1"/>
+              </a:solidFill>
+            </a:endParaRPr>
+          </a:p>
+          <a:p>
+            <a:pPr eaLnBrk="1" hangingPunct="1"/>
+            <a:endParaRPr lang="en-US" altLang="x-none" sz="1400" dirty="0">
+              <a:solidFill>
+                <a:srgbClr val="7575D1"/>
+              </a:solidFill>
+            </a:endParaRPr>
+          </a:p>
+          <a:p>
+            <a:pPr eaLnBrk="1" hangingPunct="1"/>
+            <a:endParaRPr lang="en-US" altLang="x-none" sz="1400" dirty="0">
+              <a:solidFill>
+                <a:srgbClr val="7575D1"/>
+              </a:solidFill>
+            </a:endParaRPr>
+          </a:p>
+          <a:p>
+            <a:pPr eaLnBrk="1" hangingPunct="1"/>
+            <a:endParaRPr lang="en-US" altLang="x-none" sz="1400" dirty="0">
+              <a:solidFill>
+                <a:srgbClr val="7575D1"/>
+              </a:solidFill>
+            </a:endParaRPr>
+          </a:p>
+          <a:p>
+            <a:pPr eaLnBrk="1" hangingPunct="1"/>
+            <a:endParaRPr lang="en-US" altLang="x-none" sz="1400" dirty="0">
+              <a:solidFill>
+                <a:srgbClr val="7575D1"/>
+              </a:solidFill>
+            </a:endParaRPr>
+          </a:p>
+        </p:txBody>
+      </p:sp>
+      <p:sp>
+        <p:nvSpPr>
+          <p:cNvPr id="9" name="TextBox 5"/>
+          <p:cNvSpPr txBox="1">
+            <a:spLocks noChangeArrowheads="1"/>
+          </p:cNvSpPr>
+          <p:nvPr/>
+        </p:nvSpPr>
+        <p:spPr bwMode="auto">
+          <a:xfrm>
+            <a:off x="6310312" y="1512888"/>
+            <a:ext cx="5257800" cy="4893647"/>
+          </a:xfrm>
+          <a:prstGeom prst="rect">
+            <a:avLst/>
+          </a:prstGeom>
+          <a:noFill/>
+          <a:ln>
+            <a:noFill/>
+          </a:ln>
+        </p:spPr>
+        <p:txBody>
+          <a:bodyPr wrap="square">
+            <a:spAutoFit/>
+          </a:bodyPr>
+          <a:lstStyle>
+            <a:lvl1pPr>
+              <a:defRPr sz="2000">
+                <a:solidFill>
+                  <a:srgbClr val="FFFFFF"/>
+                </a:solidFill>
+                <a:latin typeface="Gill Sans" charset="0"/>
+                <a:ea typeface="ヒラギノ角ゴ ProN W3" charset="-128"/>
+                <a:sym typeface="Gill Sans" charset="0"/>
+              </a:defRPr>
+            </a:lvl1pPr>
+            <a:lvl2pPr marL="742950" indent="-285750">
+              <a:defRPr sz="2000">
+                <a:solidFill>
+                  <a:srgbClr val="FFFFFF"/>
+                </a:solidFill>
+                <a:latin typeface="Gill Sans" charset="0"/>
+                <a:ea typeface="ヒラギノ角ゴ ProN W3" charset="-128"/>
+                <a:sym typeface="Gill Sans" charset="0"/>
+              </a:defRPr>
+            </a:lvl2pPr>
+            <a:lvl3pPr marL="1143000" indent="-228600">
+              <a:defRPr sz="2000">
+                <a:solidFill>
+                  <a:srgbClr val="FFFFFF"/>
+                </a:solidFill>
+                <a:latin typeface="Gill Sans" charset="0"/>
+                <a:ea typeface="ヒラギノ角ゴ ProN W3" charset="-128"/>
+                <a:sym typeface="Gill Sans" charset="0"/>
+              </a:defRPr>
+            </a:lvl3pPr>
+            <a:lvl4pPr marL="1600200" indent="-228600">
+              <a:defRPr sz="2000">
+                <a:solidFill>
+                  <a:srgbClr val="FFFFFF"/>
+                </a:solidFill>
+                <a:latin typeface="Gill Sans" charset="0"/>
+                <a:ea typeface="ヒラギノ角ゴ ProN W3" charset="-128"/>
+                <a:sym typeface="Gill Sans" charset="0"/>
+              </a:defRPr>
+            </a:lvl4pPr>
+            <a:lvl5pPr marL="2057400" indent="-228600">
+              <a:defRPr sz="2000">
+                <a:solidFill>
+                  <a:srgbClr val="FFFFFF"/>
+                </a:solidFill>
+                <a:latin typeface="Gill Sans" charset="0"/>
+                <a:ea typeface="ヒラギノ角ゴ ProN W3" charset="-128"/>
+                <a:sym typeface="Gill Sans" charset="0"/>
+              </a:defRPr>
+            </a:lvl5pPr>
+            <a:lvl6pPr marL="2514600" indent="-228600" eaLnBrk="0" fontAlgn="base" hangingPunct="0">
+              <a:spcBef>
+                <a:spcPct val="0"/>
+              </a:spcBef>
+              <a:spcAft>
+                <a:spcPct val="0"/>
+              </a:spcAft>
+              <a:defRPr sz="2000">
+                <a:solidFill>
+                  <a:srgbClr val="FFFFFF"/>
+                </a:solidFill>
+                <a:latin typeface="Gill Sans" charset="0"/>
+                <a:ea typeface="ヒラギノ角ゴ ProN W3" charset="-128"/>
+                <a:sym typeface="Gill Sans" charset="0"/>
+              </a:defRPr>
+            </a:lvl6pPr>
+            <a:lvl7pPr marL="2971800" indent="-228600" eaLnBrk="0" fontAlgn="base" hangingPunct="0">
+              <a:spcBef>
+                <a:spcPct val="0"/>
+              </a:spcBef>
+              <a:spcAft>
+                <a:spcPct val="0"/>
+              </a:spcAft>
+              <a:defRPr sz="2000">
+                <a:solidFill>
+                  <a:srgbClr val="FFFFFF"/>
+                </a:solidFill>
+                <a:latin typeface="Gill Sans" charset="0"/>
+                <a:ea typeface="ヒラギノ角ゴ ProN W3" charset="-128"/>
+                <a:sym typeface="Gill Sans" charset="0"/>
+              </a:defRPr>
+            </a:lvl7pPr>
+            <a:lvl8pPr marL="3429000" indent="-228600" eaLnBrk="0" fontAlgn="base" hangingPunct="0">
+              <a:spcBef>
+                <a:spcPct val="0"/>
+              </a:spcBef>
+              <a:spcAft>
+                <a:spcPct val="0"/>
+              </a:spcAft>
+              <a:defRPr sz="2000">
+                <a:solidFill>
+                  <a:srgbClr val="FFFFFF"/>
+                </a:solidFill>
+                <a:latin typeface="Gill Sans" charset="0"/>
+                <a:ea typeface="ヒラギノ角ゴ ProN W3" charset="-128"/>
+                <a:sym typeface="Gill Sans" charset="0"/>
+              </a:defRPr>
+            </a:lvl8pPr>
+            <a:lvl9pPr marL="3886200" indent="-228600" eaLnBrk="0" fontAlgn="base" hangingPunct="0">
+              <a:spcBef>
+                <a:spcPct val="0"/>
+              </a:spcBef>
+              <a:spcAft>
+                <a:spcPct val="0"/>
+              </a:spcAft>
+              <a:defRPr sz="2000">
+                <a:solidFill>
+                  <a:srgbClr val="FFFFFF"/>
+                </a:solidFill>
+                <a:latin typeface="Gill Sans" charset="0"/>
+                <a:ea typeface="ヒラギノ角ゴ ProN W3" charset="-128"/>
+                <a:sym typeface="Gill Sans" charset="0"/>
+              </a:defRPr>
+            </a:lvl9pPr>
+          </a:lstStyle>
+          <a:p>
+            <a:pPr algn="ctr" eaLnBrk="1" hangingPunct="1"/>
+            <a:r>
+              <a:rPr lang="en-US" altLang="x-none" sz="1200" dirty="0">
+                <a:solidFill>
+                  <a:srgbClr val="FFCC66"/>
+                </a:solidFill>
+                <a:latin typeface="Helvetica" charset="0"/>
+                <a:ea typeface="ＭＳ Ｐゴシック" charset="-128"/>
+                <a:sym typeface="Helvetica" charset="0"/>
+              </a:rPr>
+              <a:t>Continue new Contributors and Translators here</a:t>
+            </a:r>
+          </a:p>
+          <a:p>
+            <a:pPr algn="ctr" eaLnBrk="1" hangingPunct="1"/>
+            <a:endParaRPr lang="en-US" altLang="x-none" sz="1200" dirty="0">
+              <a:solidFill>
+                <a:schemeClr val="tx1"/>
+              </a:solidFill>
+              <a:latin typeface="Helvetica" charset="0"/>
+              <a:ea typeface="ＭＳ Ｐゴシック" charset="-128"/>
+              <a:sym typeface="Helvetica" charset="0"/>
+            </a:endParaRPr>
+          </a:p>
+          <a:p>
+            <a:pPr algn="ctr" eaLnBrk="1" hangingPunct="1"/>
+            <a:endParaRPr lang="en-US" altLang="x-none" sz="1200" dirty="0">
+              <a:solidFill>
+                <a:schemeClr val="tx1"/>
+              </a:solidFill>
+              <a:latin typeface="Helvetica" charset="0"/>
+              <a:ea typeface="ＭＳ Ｐゴシック" charset="-128"/>
+              <a:sym typeface="Helvetica" charset="0"/>
+            </a:endParaRPr>
+          </a:p>
+          <a:p>
+            <a:pPr algn="ctr" eaLnBrk="1" hangingPunct="1"/>
+            <a:endParaRPr lang="en-US" altLang="x-none" sz="1200" dirty="0">
+              <a:solidFill>
+                <a:schemeClr val="tx1"/>
+              </a:solidFill>
+              <a:latin typeface="Helvetica" charset="0"/>
+              <a:ea typeface="ＭＳ Ｐゴシック" charset="-128"/>
+              <a:sym typeface="Helvetica" charset="0"/>
+            </a:endParaRPr>
+          </a:p>
+          <a:p>
+            <a:pPr algn="ctr" eaLnBrk="1" hangingPunct="1"/>
+            <a:endParaRPr lang="en-US" altLang="x-none" sz="1200" dirty="0">
+              <a:solidFill>
+                <a:schemeClr val="tx1"/>
+              </a:solidFill>
+              <a:latin typeface="Helvetica" charset="0"/>
+              <a:ea typeface="ＭＳ Ｐゴシック" charset="-128"/>
+              <a:sym typeface="Helvetica" charset="0"/>
+            </a:endParaRPr>
+          </a:p>
+          <a:p>
+            <a:pPr algn="ctr" eaLnBrk="1" hangingPunct="1"/>
+            <a:endParaRPr lang="en-US" altLang="x-none" sz="1200" dirty="0">
+              <a:solidFill>
+                <a:schemeClr val="tx1"/>
+              </a:solidFill>
+              <a:latin typeface="Helvetica" charset="0"/>
+              <a:ea typeface="ＭＳ Ｐゴシック" charset="-128"/>
+              <a:sym typeface="Helvetica" charset="0"/>
+            </a:endParaRPr>
+          </a:p>
+          <a:p>
+            <a:pPr algn="ctr" eaLnBrk="1" hangingPunct="1"/>
+            <a:endParaRPr lang="en-US" altLang="x-none" sz="1200" dirty="0">
+              <a:solidFill>
+                <a:schemeClr val="tx1"/>
+              </a:solidFill>
+              <a:latin typeface="Helvetica" charset="0"/>
+              <a:ea typeface="ＭＳ Ｐゴシック" charset="-128"/>
+              <a:sym typeface="Helvetica" charset="0"/>
+            </a:endParaRPr>
+          </a:p>
+          <a:p>
+            <a:pPr algn="ctr" eaLnBrk="1" hangingPunct="1"/>
+            <a:endParaRPr lang="en-US" altLang="x-none" sz="1200" dirty="0">
+              <a:solidFill>
+                <a:schemeClr val="tx1"/>
+              </a:solidFill>
+              <a:latin typeface="Helvetica" charset="0"/>
+              <a:ea typeface="ＭＳ Ｐゴシック" charset="-128"/>
+              <a:sym typeface="Helvetica" charset="0"/>
+            </a:endParaRPr>
+          </a:p>
+          <a:p>
+            <a:pPr algn="ctr" eaLnBrk="1" hangingPunct="1"/>
+            <a:endParaRPr lang="en-US" altLang="x-none" sz="1200" dirty="0">
+              <a:solidFill>
+                <a:schemeClr val="tx1"/>
+              </a:solidFill>
+              <a:latin typeface="Helvetica" charset="0"/>
+              <a:ea typeface="ＭＳ Ｐゴシック" charset="-128"/>
+              <a:sym typeface="Helvetica" charset="0"/>
+            </a:endParaRPr>
+          </a:p>
+          <a:p>
+            <a:pPr algn="ctr" eaLnBrk="1" hangingPunct="1"/>
+            <a:endParaRPr lang="en-US" altLang="x-none" sz="1200" dirty="0">
+              <a:solidFill>
+                <a:schemeClr val="tx1"/>
+              </a:solidFill>
+              <a:latin typeface="Helvetica" charset="0"/>
+              <a:ea typeface="ＭＳ Ｐゴシック" charset="-128"/>
+              <a:sym typeface="Helvetica" charset="0"/>
+            </a:endParaRPr>
+          </a:p>
+          <a:p>
+            <a:pPr algn="ctr" eaLnBrk="1" hangingPunct="1"/>
+            <a:endParaRPr lang="en-US" altLang="x-none" sz="1200" dirty="0">
+              <a:solidFill>
+                <a:schemeClr val="tx1"/>
+              </a:solidFill>
+              <a:latin typeface="Helvetica" charset="0"/>
+              <a:ea typeface="ＭＳ Ｐゴシック" charset="-128"/>
+              <a:sym typeface="Helvetica" charset="0"/>
+            </a:endParaRPr>
+          </a:p>
+          <a:p>
+            <a:pPr algn="ctr" eaLnBrk="1" hangingPunct="1"/>
+            <a:endParaRPr lang="en-US" altLang="x-none" sz="1200" dirty="0">
+              <a:solidFill>
+                <a:schemeClr val="tx1"/>
+              </a:solidFill>
+              <a:latin typeface="Helvetica" charset="0"/>
+              <a:ea typeface="ＭＳ Ｐゴシック" charset="-128"/>
+              <a:sym typeface="Helvetica" charset="0"/>
+            </a:endParaRPr>
+          </a:p>
+          <a:p>
+            <a:pPr algn="ctr" eaLnBrk="1" hangingPunct="1"/>
+            <a:endParaRPr lang="en-US" altLang="x-none" sz="1200" dirty="0">
+              <a:solidFill>
+                <a:schemeClr val="tx1"/>
+              </a:solidFill>
+              <a:latin typeface="Helvetica" charset="0"/>
+              <a:ea typeface="ＭＳ Ｐゴシック" charset="-128"/>
+              <a:sym typeface="Helvetica" charset="0"/>
+            </a:endParaRPr>
+          </a:p>
+          <a:p>
+            <a:pPr algn="ctr" eaLnBrk="1" hangingPunct="1"/>
+            <a:endParaRPr lang="en-US" altLang="x-none" sz="1200" dirty="0">
+              <a:solidFill>
+                <a:schemeClr val="tx1"/>
+              </a:solidFill>
+              <a:latin typeface="Helvetica" charset="0"/>
+              <a:ea typeface="ＭＳ Ｐゴシック" charset="-128"/>
+              <a:sym typeface="Helvetica" charset="0"/>
+            </a:endParaRPr>
+          </a:p>
+          <a:p>
+            <a:pPr algn="ctr" eaLnBrk="1" hangingPunct="1"/>
+            <a:endParaRPr lang="en-US" altLang="x-none" sz="1200" dirty="0">
+              <a:solidFill>
+                <a:schemeClr val="tx1"/>
+              </a:solidFill>
+              <a:latin typeface="Helvetica" charset="0"/>
+              <a:ea typeface="ＭＳ Ｐゴシック" charset="-128"/>
+              <a:sym typeface="Helvetica" charset="0"/>
+            </a:endParaRPr>
+          </a:p>
+          <a:p>
+            <a:pPr algn="ctr" eaLnBrk="1" hangingPunct="1"/>
+            <a:endParaRPr lang="en-US" altLang="x-none" sz="1200" dirty="0">
+              <a:solidFill>
+                <a:schemeClr val="tx1"/>
+              </a:solidFill>
+              <a:latin typeface="Helvetica" charset="0"/>
+              <a:ea typeface="ＭＳ Ｐゴシック" charset="-128"/>
+              <a:sym typeface="Helvetica" charset="0"/>
+            </a:endParaRPr>
+          </a:p>
+          <a:p>
+            <a:pPr algn="ctr" eaLnBrk="1" hangingPunct="1"/>
+            <a:endParaRPr lang="en-US" altLang="x-none" sz="1200" dirty="0">
+              <a:solidFill>
+                <a:schemeClr val="tx1"/>
+              </a:solidFill>
+              <a:latin typeface="Helvetica" charset="0"/>
+              <a:ea typeface="ＭＳ Ｐゴシック" charset="-128"/>
+              <a:sym typeface="Helvetica" charset="0"/>
+            </a:endParaRPr>
+          </a:p>
+          <a:p>
+            <a:pPr algn="ctr" eaLnBrk="1" hangingPunct="1"/>
+            <a:endParaRPr lang="en-US" altLang="x-none" sz="1200" dirty="0">
+              <a:solidFill>
+                <a:schemeClr val="tx1"/>
+              </a:solidFill>
+              <a:latin typeface="Helvetica" charset="0"/>
+              <a:ea typeface="ＭＳ Ｐゴシック" charset="-128"/>
+              <a:sym typeface="Helvetica" charset="0"/>
+            </a:endParaRPr>
+          </a:p>
+          <a:p>
+            <a:pPr algn="ctr" eaLnBrk="1" hangingPunct="1"/>
+            <a:endParaRPr lang="en-US" altLang="x-none" sz="1200" dirty="0">
+              <a:solidFill>
+                <a:schemeClr val="tx1"/>
+              </a:solidFill>
+              <a:latin typeface="Helvetica" charset="0"/>
+              <a:ea typeface="ＭＳ Ｐゴシック" charset="-128"/>
+              <a:sym typeface="Helvetica" charset="0"/>
+            </a:endParaRPr>
+          </a:p>
+          <a:p>
+            <a:pPr algn="ctr" eaLnBrk="1" hangingPunct="1"/>
+            <a:endParaRPr lang="en-US" altLang="x-none" sz="1200" dirty="0" smtClean="0">
+              <a:solidFill>
+                <a:schemeClr val="tx1"/>
+              </a:solidFill>
+              <a:latin typeface="Helvetica" charset="0"/>
+              <a:ea typeface="ＭＳ Ｐゴシック" charset="-128"/>
+              <a:sym typeface="Helvetica" charset="0"/>
+            </a:endParaRPr>
+          </a:p>
+          <a:p>
+            <a:pPr algn="ctr" eaLnBrk="1" hangingPunct="1"/>
+            <a:endParaRPr lang="en-US" altLang="x-none" sz="1200" dirty="0">
+              <a:solidFill>
+                <a:schemeClr val="tx1"/>
+              </a:solidFill>
+              <a:latin typeface="Helvetica" charset="0"/>
+              <a:ea typeface="ＭＳ Ｐゴシック" charset="-128"/>
+              <a:sym typeface="Helvetica" charset="0"/>
+            </a:endParaRPr>
+          </a:p>
+          <a:p>
+            <a:pPr algn="ctr" eaLnBrk="1" hangingPunct="1"/>
+            <a:endParaRPr lang="en-US" altLang="x-none" sz="1200" dirty="0" smtClean="0">
+              <a:solidFill>
+                <a:schemeClr val="tx1"/>
+              </a:solidFill>
+              <a:latin typeface="Helvetica" charset="0"/>
+              <a:ea typeface="ＭＳ Ｐゴシック" charset="-128"/>
+              <a:sym typeface="Helvetica" charset="0"/>
+            </a:endParaRPr>
+          </a:p>
+          <a:p>
+            <a:pPr algn="ctr" eaLnBrk="1" hangingPunct="1"/>
+            <a:endParaRPr lang="en-US" altLang="x-none" sz="1200" dirty="0">
+              <a:solidFill>
+                <a:schemeClr val="tx1"/>
+              </a:solidFill>
+              <a:latin typeface="Helvetica" charset="0"/>
+              <a:ea typeface="ＭＳ Ｐゴシック" charset="-128"/>
+              <a:sym typeface="Helvetica" charset="0"/>
+            </a:endParaRPr>
+          </a:p>
+          <a:p>
+            <a:pPr algn="ctr" eaLnBrk="1" hangingPunct="1"/>
+            <a:endParaRPr lang="en-US" altLang="x-none" sz="1200" dirty="0" smtClean="0">
+              <a:solidFill>
+                <a:schemeClr val="tx1"/>
+              </a:solidFill>
+              <a:latin typeface="Helvetica" charset="0"/>
+              <a:ea typeface="ＭＳ Ｐゴシック" charset="-128"/>
+              <a:sym typeface="Helvetica" charset="0"/>
+            </a:endParaRPr>
+          </a:p>
+          <a:p>
+            <a:pPr algn="ctr" eaLnBrk="1" hangingPunct="1"/>
+            <a:endParaRPr lang="en-US" altLang="x-none" sz="1200" dirty="0">
+              <a:solidFill>
+                <a:schemeClr val="tx1"/>
+              </a:solidFill>
+              <a:latin typeface="Helvetica" charset="0"/>
+              <a:ea typeface="ＭＳ Ｐゴシック" charset="-128"/>
+              <a:sym typeface="Helvetica" charset="0"/>
+            </a:endParaRPr>
+          </a:p>
+          <a:p>
+            <a:pPr algn="ctr" eaLnBrk="1" hangingPunct="1"/>
+            <a:endParaRPr lang="en-US" altLang="x-none" sz="1200" dirty="0">
+              <a:solidFill>
+                <a:schemeClr val="tx1"/>
+              </a:solidFill>
+              <a:latin typeface="Helvetica" charset="0"/>
+              <a:ea typeface="ＭＳ Ｐゴシック" charset="-128"/>
+              <a:sym typeface="Helvetica" charset="0"/>
+            </a:endParaRPr>
+          </a:p>
+        </p:txBody>
+      </p:sp>
+    </p:spTree>
+    <p:extLst>
+      <p:ext uri="{BB962C8B-B14F-4D97-AF65-F5344CB8AC3E}">
+        <p14:creationId xmlns:p14="http://schemas.microsoft.com/office/powerpoint/2010/main" val="1048975579"/>
+      </p:ext>
+    </p:extLst>
+  </p:cSld>
+  <p:clrMapOvr>
+    <a:masterClrMapping/>
+  </p:clrMapOvr>
+  <p:timing>
+    <p:tnLst>
+      <p:par>
+        <p:cTn id="1" dur="indefinite" restart="never" nodeType="tmRoot"/>
+      </p:par>
+    </p:tnLst>
+  </p:timing>
+</p:sld>
+</file>
+
+<file path=ppt/slides/slide61.xml><?xml version="1.0" encoding="utf-8"?>
+<p:sld xmlns:a="http://schemas.openxmlformats.org/drawingml/2006/main" xmlns:r="http://schemas.openxmlformats.org/officeDocument/2006/relationships" xmlns:p="http://schemas.openxmlformats.org/presentationml/2006/main">
+  <p:cSld>
+    <p:spTree>
+      <p:nvGrpSpPr>
+        <p:cNvPr id="1" name=""/>
+        <p:cNvGrpSpPr/>
+        <p:nvPr/>
+      </p:nvGrpSpPr>
+      <p:grpSpPr>
+        <a:xfrm>
+          <a:off x="0" y="0"/>
+          <a:ext cx="0" cy="0"/>
+          <a:chOff x="0" y="0"/>
+          <a:chExt cx="0" cy="0"/>
+        </a:xfrm>
+      </p:grpSpPr>
+      <p:sp>
+        <p:nvSpPr>
+          <p:cNvPr id="25601" name="Title 1"/>
+          <p:cNvSpPr>
+            <a:spLocks noGrp="1"/>
+          </p:cNvSpPr>
+          <p:nvPr>
+            <p:ph type="title"/>
+          </p:nvPr>
+        </p:nvSpPr>
+        <p:spPr>
+          <a:xfrm>
+            <a:off x="1132418" y="640387"/>
+            <a:ext cx="9927167" cy="714279"/>
+          </a:xfrm>
+        </p:spPr>
+        <p:txBody>
+          <a:bodyPr/>
+          <a:lstStyle/>
+          <a:p>
+            <a:r>
+              <a:rPr lang="en-US" altLang="en-US" sz="3733" dirty="0">
+                <a:solidFill>
+                  <a:srgbClr val="00FF00"/>
+                </a:solidFill>
+              </a:rPr>
+              <a:t>Additional Source Information</a:t>
+            </a:r>
+          </a:p>
+        </p:txBody>
+      </p:sp>
+      <p:sp>
+        <p:nvSpPr>
+          <p:cNvPr id="25602" name="Content Placeholder 2"/>
+          <p:cNvSpPr>
+            <a:spLocks noGrp="1"/>
+          </p:cNvSpPr>
+          <p:nvPr>
+            <p:ph idx="1"/>
+          </p:nvPr>
+        </p:nvSpPr>
+        <p:spPr>
+          <a:xfrm>
+            <a:off x="1132418" y="1498600"/>
+            <a:ext cx="9927167" cy="4464051"/>
+          </a:xfrm>
+        </p:spPr>
+        <p:txBody>
+          <a:bodyPr anchor="t">
+            <a:normAutofit/>
+          </a:bodyPr>
+          <a:lstStyle/>
+          <a:p>
+            <a:pPr>
+              <a:buFontTx/>
+              <a:buChar char="•"/>
+            </a:pPr>
+            <a:r>
+              <a:rPr lang="en-US" altLang="en-US" sz="1600" dirty="0" smtClean="0"/>
+              <a:t>Portions </a:t>
+            </a:r>
+            <a:r>
+              <a:rPr lang="en-US" altLang="en-US" sz="1600" dirty="0" smtClean="0"/>
+              <a:t>of the text of these slides is adapted from the text </a:t>
+            </a:r>
+            <a:r>
+              <a:rPr lang="en-US" altLang="en-US" sz="1600" dirty="0" smtClean="0">
+                <a:hlinkClick r:id="rId2"/>
+              </a:rPr>
+              <a:t>www.djangoproject.org</a:t>
+            </a:r>
+            <a:r>
+              <a:rPr lang="en-US" altLang="en-US" sz="1600" dirty="0" smtClean="0"/>
+              <a:t> web site.  Those slides which use text from that site have a reference to the original text on that site. </a:t>
+            </a:r>
+            <a:r>
+              <a:rPr lang="en-US" sz="1600" dirty="0"/>
+              <a:t>Django is licensed under the three-clause BSD </a:t>
+            </a:r>
+            <a:r>
+              <a:rPr lang="en-US" sz="1600" dirty="0" smtClean="0"/>
+              <a:t>license.</a:t>
+            </a:r>
+            <a:endParaRPr lang="en-US" altLang="en-US" sz="1600" dirty="0"/>
+          </a:p>
+        </p:txBody>
+      </p:sp>
+    </p:spTree>
+    <p:extLst>
+      <p:ext uri="{BB962C8B-B14F-4D97-AF65-F5344CB8AC3E}">
+        <p14:creationId xmlns:p14="http://schemas.microsoft.com/office/powerpoint/2010/main" val="1906482747"/>
+      </p:ext>
+    </p:extLst>
+  </p:cSld>
+  <p:clrMapOvr>
+    <a:masterClrMapping/>
+  </p:clrMapOvr>
+  <p:transition spd="slow"/>
 </p:sld>
 </file>
 
